--- a/01 httpclient.pptx
+++ b/01 httpclient.pptx
@@ -259,7 +259,7 @@
               <a:rPr lang="en-US" smtClean="0">
                 <a:latin typeface="Segoe UI" pitchFamily="34" charset="0"/>
               </a:rPr>
-              <a:t>12/15/18 7:39 AM</a:t>
+              <a:t>12/20/18 1:02 PM</a:t>
             </a:fld>
             <a:endParaRPr lang="en-US" dirty="0">
               <a:latin typeface="Segoe UI" pitchFamily="34" charset="0"/>
@@ -553,7 +553,7 @@
           <a:p>
             <a:fld id="{D18B56EA-E28F-4F92-9F16-7A6F2501B303}" type="datetime8">
               <a:rPr lang="en-US" smtClean="0"/>
-              <a:t>12/15/18 7:39 AM</a:t>
+              <a:t>12/20/18 1:02 PM</a:t>
             </a:fld>
             <a:endParaRPr lang="en-US" dirty="0"/>
           </a:p>
@@ -936,7 +936,7 @@
           <a:p>
             <a:fld id="{D18B56EA-E28F-4F92-9F16-7A6F2501B303}" type="datetime8">
               <a:rPr lang="en-US" smtClean="0"/>
-              <a:t>12/15/18 7:41 AM</a:t>
+              <a:t>12/20/18 1:02 PM</a:t>
             </a:fld>
             <a:endParaRPr lang="en-US" dirty="0"/>
           </a:p>
@@ -1117,7 +1117,7 @@
           <a:p>
             <a:fld id="{D18B56EA-E28F-4F92-9F16-7A6F2501B303}" type="datetime8">
               <a:rPr lang="en-US" smtClean="0"/>
-              <a:t>12/15/18 7:41 AM</a:t>
+              <a:t>12/20/18 1:02 PM</a:t>
             </a:fld>
             <a:endParaRPr lang="en-US" dirty="0"/>
           </a:p>
@@ -1460,7 +1460,7 @@
           <a:p>
             <a:fld id="{D18B56EA-E28F-4F92-9F16-7A6F2501B303}" type="datetime8">
               <a:rPr lang="en-US" smtClean="0"/>
-              <a:t>12/15/18 7:58 AM</a:t>
+              <a:t>12/20/18 1:02 PM</a:t>
             </a:fld>
             <a:endParaRPr lang="en-US" dirty="0"/>
           </a:p>
@@ -1641,7 +1641,7 @@
           <a:p>
             <a:fld id="{D18B56EA-E28F-4F92-9F16-7A6F2501B303}" type="datetime8">
               <a:rPr lang="en-US" smtClean="0"/>
-              <a:t>12/15/18 7:59 AM</a:t>
+              <a:t>12/20/18 1:02 PM</a:t>
             </a:fld>
             <a:endParaRPr lang="en-US" dirty="0"/>
           </a:p>
@@ -1822,7 +1822,7 @@
           <a:p>
             <a:fld id="{D18B56EA-E28F-4F92-9F16-7A6F2501B303}" type="datetime8">
               <a:rPr lang="en-US" smtClean="0"/>
-              <a:t>12/15/18 7:43 AM</a:t>
+              <a:t>12/20/18 1:02 PM</a:t>
             </a:fld>
             <a:endParaRPr lang="en-US" dirty="0"/>
           </a:p>
@@ -2003,7 +2003,7 @@
           <a:p>
             <a:fld id="{D18B56EA-E28F-4F92-9F16-7A6F2501B303}" type="datetime8">
               <a:rPr lang="en-US" smtClean="0"/>
-              <a:t>12/15/18 7:39 AM</a:t>
+              <a:t>12/20/18 1:02 PM</a:t>
             </a:fld>
             <a:endParaRPr lang="en-US" dirty="0"/>
           </a:p>
@@ -2184,7 +2184,7 @@
           <a:p>
             <a:fld id="{D18B56EA-E28F-4F92-9F16-7A6F2501B303}" type="datetime8">
               <a:rPr lang="en-US" smtClean="0"/>
-              <a:t>12/15/18 7:39 AM</a:t>
+              <a:t>12/20/18 1:02 PM</a:t>
             </a:fld>
             <a:endParaRPr lang="en-US" dirty="0"/>
           </a:p>
@@ -7483,6 +7483,316 @@
 </p:sldLayout>
 </file>
 
+<file path=ppt/slideLayouts/slideLayout29.xml><?xml version="1.0" encoding="utf-8"?>
+<p:sldLayout xmlns:a="http://schemas.openxmlformats.org/drawingml/2006/main" xmlns:r="http://schemas.openxmlformats.org/officeDocument/2006/relationships" xmlns:p="http://schemas.openxmlformats.org/presentationml/2006/main" preserve="1" userDrawn="1">
+  <p:cSld name="1_Developer Code Layout">
+    <p:spTree>
+      <p:nvGrpSpPr>
+        <p:cNvPr id="1" name=""/>
+        <p:cNvGrpSpPr/>
+        <p:nvPr/>
+      </p:nvGrpSpPr>
+      <p:grpSpPr>
+        <a:xfrm>
+          <a:off x="0" y="0"/>
+          <a:ext cx="0" cy="0"/>
+          <a:chOff x="0" y="0"/>
+          <a:chExt cx="0" cy="0"/>
+        </a:xfrm>
+      </p:grpSpPr>
+      <p:sp>
+        <p:nvSpPr>
+          <p:cNvPr id="2" name="Title 1"/>
+          <p:cNvSpPr>
+            <a:spLocks noGrp="1"/>
+          </p:cNvSpPr>
+          <p:nvPr>
+            <p:ph type="title" hasCustomPrompt="1"/>
+          </p:nvPr>
+        </p:nvSpPr>
+        <p:spPr>
+          <a:xfrm>
+            <a:off x="464400" y="633600"/>
+            <a:ext cx="11575200" cy="410369"/>
+          </a:xfrm>
+        </p:spPr>
+        <p:txBody>
+          <a:bodyPr vert="horz" wrap="square" lIns="0" tIns="0" rIns="0" bIns="0" rtlCol="0" anchor="t">
+            <a:spAutoFit/>
+          </a:bodyPr>
+          <a:lstStyle>
+            <a:lvl1pPr>
+              <a:defRPr lang="en-US" sz="2800" dirty="0">
+                <a:solidFill>
+                  <a:srgbClr val="2F2F2F"/>
+                </a:solidFill>
+              </a:defRPr>
+            </a:lvl1pPr>
+          </a:lstStyle>
+          <a:p>
+            <a:pPr lvl="0">
+              <a:lnSpc>
+                <a:spcPts val="3200"/>
+              </a:lnSpc>
+            </a:pPr>
+            <a:r>
+              <a:rPr lang="en-US" dirty="0"/>
+              <a:t>Slide for Developer Code</a:t>
+            </a:r>
+          </a:p>
+        </p:txBody>
+      </p:sp>
+      <p:sp>
+        <p:nvSpPr>
+          <p:cNvPr id="3" name="Rectangle 2"/>
+          <p:cNvSpPr/>
+          <p:nvPr userDrawn="1"/>
+        </p:nvSpPr>
+        <p:spPr bwMode="hidden">
+          <a:xfrm>
+            <a:off x="1" y="1178952"/>
+            <a:ext cx="12436475" cy="5815573"/>
+          </a:xfrm>
+          <a:prstGeom prst="rect">
+            <a:avLst/>
+          </a:prstGeom>
+          <a:solidFill>
+            <a:srgbClr val="FFFFFF"/>
+          </a:solidFill>
+          <a:ln>
+            <a:noFill/>
+            <a:headEnd type="none" w="med" len="med"/>
+            <a:tailEnd type="none" w="med" len="med"/>
+          </a:ln>
+          <a:effectLst/>
+        </p:spPr>
+        <p:style>
+          <a:lnRef idx="1">
+            <a:schemeClr val="accent2"/>
+          </a:lnRef>
+          <a:fillRef idx="3">
+            <a:schemeClr val="accent2"/>
+          </a:fillRef>
+          <a:effectRef idx="2">
+            <a:schemeClr val="accent2"/>
+          </a:effectRef>
+          <a:fontRef idx="minor">
+            <a:schemeClr val="lt1"/>
+          </a:fontRef>
+        </p:style>
+        <p:txBody>
+          <a:bodyPr rot="0" spcFirstLastPara="0" vertOverflow="overflow" horzOverflow="overflow" vert="horz" wrap="square" lIns="46630" tIns="46630" rIns="46630" bIns="46630" numCol="1" spcCol="0" rtlCol="0" fromWordArt="0" anchor="ctr" anchorCtr="0" forceAA="0" compatLnSpc="1">
+            <a:prstTxWarp prst="textNoShape">
+              <a:avLst/>
+            </a:prstTxWarp>
+            <a:noAutofit/>
+          </a:bodyPr>
+          <a:lstStyle/>
+          <a:p>
+            <a:pPr algn="ctr" defTabSz="932290" fontAlgn="base">
+              <a:spcBef>
+                <a:spcPct val="0"/>
+              </a:spcBef>
+              <a:spcAft>
+                <a:spcPct val="0"/>
+              </a:spcAft>
+            </a:pPr>
+            <a:endParaRPr lang="en-US" sz="1836" dirty="0" err="1">
+              <a:gradFill>
+                <a:gsLst>
+                  <a:gs pos="0">
+                    <a:srgbClr val="FFFFFF"/>
+                  </a:gs>
+                  <a:gs pos="100000">
+                    <a:srgbClr val="FFFFFF"/>
+                  </a:gs>
+                </a:gsLst>
+                <a:lin ang="5400000" scaled="0"/>
+              </a:gradFill>
+              <a:ea typeface="Segoe UI" pitchFamily="34" charset="0"/>
+              <a:cs typeface="Segoe UI" pitchFamily="34" charset="0"/>
+            </a:endParaRPr>
+          </a:p>
+        </p:txBody>
+      </p:sp>
+      <p:sp>
+        <p:nvSpPr>
+          <p:cNvPr id="5" name="Text Placeholder 4"/>
+          <p:cNvSpPr>
+            <a:spLocks noGrp="1"/>
+          </p:cNvSpPr>
+          <p:nvPr>
+            <p:ph type="body" sz="quarter" idx="10"/>
+          </p:nvPr>
+        </p:nvSpPr>
+        <p:spPr>
+          <a:xfrm>
+            <a:off x="464400" y="1178952"/>
+            <a:ext cx="11575200" cy="2658444"/>
+          </a:xfrm>
+        </p:spPr>
+        <p:txBody>
+          <a:bodyPr/>
+          <a:lstStyle>
+            <a:lvl1pPr marL="0" indent="0">
+              <a:lnSpc>
+                <a:spcPct val="95000"/>
+              </a:lnSpc>
+              <a:buNone/>
+              <a:defRPr sz="3264">
+                <a:gradFill>
+                  <a:gsLst>
+                    <a:gs pos="1250">
+                      <a:srgbClr val="000000"/>
+                    </a:gs>
+                    <a:gs pos="100000">
+                      <a:srgbClr val="000000"/>
+                    </a:gs>
+                  </a:gsLst>
+                  <a:lin ang="5400000" scaled="0"/>
+                </a:gradFill>
+                <a:latin typeface="Consolas" pitchFamily="49" charset="0"/>
+                <a:cs typeface="Consolas" pitchFamily="49" charset="0"/>
+              </a:defRPr>
+            </a:lvl1pPr>
+            <a:lvl2pPr marL="346486" indent="0">
+              <a:lnSpc>
+                <a:spcPct val="95000"/>
+              </a:lnSpc>
+              <a:buNone/>
+              <a:defRPr>
+                <a:gradFill>
+                  <a:gsLst>
+                    <a:gs pos="1250">
+                      <a:srgbClr val="000000"/>
+                    </a:gs>
+                    <a:gs pos="100000">
+                      <a:srgbClr val="000000"/>
+                    </a:gs>
+                  </a:gsLst>
+                  <a:lin ang="5400000" scaled="0"/>
+                </a:gradFill>
+                <a:latin typeface="Consolas" pitchFamily="49" charset="0"/>
+                <a:cs typeface="Consolas" pitchFamily="49" charset="0"/>
+              </a:defRPr>
+            </a:lvl2pPr>
+            <a:lvl3pPr marL="584492" indent="0">
+              <a:lnSpc>
+                <a:spcPct val="95000"/>
+              </a:lnSpc>
+              <a:buNone/>
+              <a:defRPr>
+                <a:gradFill>
+                  <a:gsLst>
+                    <a:gs pos="1250">
+                      <a:srgbClr val="000000"/>
+                    </a:gs>
+                    <a:gs pos="100000">
+                      <a:srgbClr val="000000"/>
+                    </a:gs>
+                  </a:gsLst>
+                  <a:lin ang="5400000" scaled="0"/>
+                </a:gradFill>
+                <a:latin typeface="Consolas" pitchFamily="49" charset="0"/>
+                <a:cs typeface="Consolas" pitchFamily="49" charset="0"/>
+              </a:defRPr>
+            </a:lvl3pPr>
+            <a:lvl4pPr marL="814403" indent="0">
+              <a:lnSpc>
+                <a:spcPct val="95000"/>
+              </a:lnSpc>
+              <a:buNone/>
+              <a:defRPr>
+                <a:gradFill>
+                  <a:gsLst>
+                    <a:gs pos="1250">
+                      <a:srgbClr val="000000"/>
+                    </a:gs>
+                    <a:gs pos="100000">
+                      <a:srgbClr val="000000"/>
+                    </a:gs>
+                  </a:gsLst>
+                  <a:lin ang="5400000" scaled="0"/>
+                </a:gradFill>
+                <a:latin typeface="Consolas" pitchFamily="49" charset="0"/>
+                <a:cs typeface="Consolas" pitchFamily="49" charset="0"/>
+              </a:defRPr>
+            </a:lvl4pPr>
+            <a:lvl5pPr marL="1050791" indent="0">
+              <a:lnSpc>
+                <a:spcPct val="95000"/>
+              </a:lnSpc>
+              <a:buNone/>
+              <a:defRPr>
+                <a:gradFill>
+                  <a:gsLst>
+                    <a:gs pos="1250">
+                      <a:srgbClr val="000000"/>
+                    </a:gs>
+                    <a:gs pos="100000">
+                      <a:srgbClr val="000000"/>
+                    </a:gs>
+                  </a:gsLst>
+                  <a:lin ang="5400000" scaled="0"/>
+                </a:gradFill>
+                <a:latin typeface="Consolas" pitchFamily="49" charset="0"/>
+                <a:cs typeface="Consolas" pitchFamily="49" charset="0"/>
+              </a:defRPr>
+            </a:lvl5pPr>
+          </a:lstStyle>
+          <a:p>
+            <a:pPr lvl="0"/>
+            <a:r>
+              <a:rPr lang="en-US" dirty="0"/>
+              <a:t>Click to edit Master text styles</a:t>
+            </a:r>
+          </a:p>
+          <a:p>
+            <a:pPr lvl="1"/>
+            <a:r>
+              <a:rPr lang="en-US" dirty="0"/>
+              <a:t>Second level</a:t>
+            </a:r>
+          </a:p>
+          <a:p>
+            <a:pPr lvl="2"/>
+            <a:r>
+              <a:rPr lang="en-US" dirty="0"/>
+              <a:t>Third level</a:t>
+            </a:r>
+          </a:p>
+          <a:p>
+            <a:pPr lvl="3"/>
+            <a:r>
+              <a:rPr lang="en-US" dirty="0"/>
+              <a:t>Fourth level</a:t>
+            </a:r>
+          </a:p>
+          <a:p>
+            <a:pPr lvl="4"/>
+            <a:r>
+              <a:rPr lang="en-US" dirty="0"/>
+              <a:t>Fifth level</a:t>
+            </a:r>
+          </a:p>
+        </p:txBody>
+      </p:sp>
+    </p:spTree>
+    <p:extLst>
+      <p:ext uri="{BB962C8B-B14F-4D97-AF65-F5344CB8AC3E}">
+        <p14:creationId xmlns:p14="http://schemas.microsoft.com/office/powerpoint/2010/main" val="3117410443"/>
+      </p:ext>
+    </p:extLst>
+  </p:cSld>
+  <p:clrMapOvr>
+    <a:masterClrMapping/>
+  </p:clrMapOvr>
+  <p:transition>
+    <p:fade/>
+  </p:transition>
+</p:sldLayout>
+</file>
+
 <file path=ppt/slideLayouts/slideLayout3.xml><?xml version="1.0" encoding="utf-8"?>
 <p:sldLayout xmlns:a="http://schemas.openxmlformats.org/drawingml/2006/main" xmlns:r="http://schemas.openxmlformats.org/officeDocument/2006/relationships" xmlns:p="http://schemas.openxmlformats.org/presentationml/2006/main" preserve="1" userDrawn="1">
   <p:cSld name="Title Slide 3">
@@ -7745,6 +8055,312 @@
 </p:sldLayout>
 </file>
 
+<file path=ppt/slideLayouts/slideLayout30.xml><?xml version="1.0" encoding="utf-8"?>
+<p:sldLayout xmlns:a="http://schemas.openxmlformats.org/drawingml/2006/main" xmlns:r="http://schemas.openxmlformats.org/officeDocument/2006/relationships" xmlns:p="http://schemas.openxmlformats.org/presentationml/2006/main" preserve="1" userDrawn="1">
+  <p:cSld name="1_Title &amp; 2-color Non-bulleted text">
+    <p:spTree>
+      <p:nvGrpSpPr>
+        <p:cNvPr id="1" name=""/>
+        <p:cNvGrpSpPr/>
+        <p:nvPr/>
+      </p:nvGrpSpPr>
+      <p:grpSpPr>
+        <a:xfrm>
+          <a:off x="0" y="0"/>
+          <a:ext cx="0" cy="0"/>
+          <a:chOff x="0" y="0"/>
+          <a:chExt cx="0" cy="0"/>
+        </a:xfrm>
+      </p:grpSpPr>
+      <p:sp>
+        <p:nvSpPr>
+          <p:cNvPr id="2" name="Title 1"/>
+          <p:cNvSpPr>
+            <a:spLocks noGrp="1"/>
+          </p:cNvSpPr>
+          <p:nvPr>
+            <p:ph type="title"/>
+          </p:nvPr>
+        </p:nvSpPr>
+        <p:spPr>
+          <a:xfrm>
+            <a:off x="464400" y="633600"/>
+            <a:ext cx="11574000" cy="410369"/>
+          </a:xfrm>
+        </p:spPr>
+        <p:txBody>
+          <a:bodyPr vert="horz" wrap="square" lIns="0" tIns="0" rIns="0" bIns="0" rtlCol="0" anchor="t">
+            <a:spAutoFit/>
+          </a:bodyPr>
+          <a:lstStyle>
+            <a:lvl1pPr>
+              <a:defRPr lang="en-US" sz="2800" dirty="0">
+                <a:solidFill>
+                  <a:srgbClr val="2F2F2F"/>
+                </a:solidFill>
+              </a:defRPr>
+            </a:lvl1pPr>
+          </a:lstStyle>
+          <a:p>
+            <a:pPr lvl="0">
+              <a:lnSpc>
+                <a:spcPts val="3200"/>
+              </a:lnSpc>
+            </a:pPr>
+            <a:r>
+              <a:rPr lang="en-US" dirty="0"/>
+              <a:t>Click to edit Master title style</a:t>
+            </a:r>
+          </a:p>
+        </p:txBody>
+      </p:sp>
+      <p:sp>
+        <p:nvSpPr>
+          <p:cNvPr id="6" name="Text Placeholder 5"/>
+          <p:cNvSpPr>
+            <a:spLocks noGrp="1"/>
+          </p:cNvSpPr>
+          <p:nvPr>
+            <p:ph type="body" sz="quarter" idx="10"/>
+          </p:nvPr>
+        </p:nvSpPr>
+        <p:spPr>
+          <a:xfrm>
+            <a:off x="464400" y="1212850"/>
+            <a:ext cx="11574000" cy="1346522"/>
+          </a:xfrm>
+        </p:spPr>
+        <p:txBody>
+          <a:bodyPr/>
+          <a:lstStyle>
+            <a:lvl1pPr marL="0" indent="0">
+              <a:buNone/>
+              <a:defRPr sz="2400">
+                <a:solidFill>
+                  <a:schemeClr val="tx2"/>
+                </a:solidFill>
+              </a:defRPr>
+            </a:lvl1pPr>
+            <a:lvl2pPr marL="0" indent="0">
+              <a:buFontTx/>
+              <a:buNone/>
+              <a:defRPr sz="1400"/>
+            </a:lvl2pPr>
+            <a:lvl3pPr marL="228600" indent="0">
+              <a:buNone/>
+              <a:defRPr sz="1200"/>
+            </a:lvl3pPr>
+            <a:lvl4pPr marL="457200" indent="0">
+              <a:buNone/>
+              <a:defRPr sz="1100"/>
+            </a:lvl4pPr>
+            <a:lvl5pPr marL="685800" indent="0">
+              <a:buNone/>
+              <a:defRPr sz="1050"/>
+            </a:lvl5pPr>
+          </a:lstStyle>
+          <a:p>
+            <a:pPr lvl="0"/>
+            <a:r>
+              <a:rPr lang="en-US" dirty="0"/>
+              <a:t>Edit Master text styles</a:t>
+            </a:r>
+          </a:p>
+          <a:p>
+            <a:pPr lvl="1"/>
+            <a:r>
+              <a:rPr lang="en-US" dirty="0"/>
+              <a:t>Second level</a:t>
+            </a:r>
+          </a:p>
+          <a:p>
+            <a:pPr lvl="2"/>
+            <a:r>
+              <a:rPr lang="en-US" dirty="0"/>
+              <a:t>Third level</a:t>
+            </a:r>
+          </a:p>
+          <a:p>
+            <a:pPr lvl="3"/>
+            <a:r>
+              <a:rPr lang="en-US" dirty="0"/>
+              <a:t>Fourth level</a:t>
+            </a:r>
+          </a:p>
+          <a:p>
+            <a:pPr lvl="4"/>
+            <a:r>
+              <a:rPr lang="en-US" dirty="0"/>
+              <a:t>Fifth level</a:t>
+            </a:r>
+          </a:p>
+        </p:txBody>
+      </p:sp>
+    </p:spTree>
+    <p:extLst>
+      <p:ext uri="{BB962C8B-B14F-4D97-AF65-F5344CB8AC3E}">
+        <p14:creationId xmlns:p14="http://schemas.microsoft.com/office/powerpoint/2010/main" val="449413940"/>
+      </p:ext>
+    </p:extLst>
+  </p:cSld>
+  <p:clrMapOvr>
+    <a:masterClrMapping/>
+  </p:clrMapOvr>
+  <p:transition>
+    <p:fade/>
+  </p:transition>
+</p:sldLayout>
+</file>
+
+<file path=ppt/slideLayouts/slideLayout31.xml><?xml version="1.0" encoding="utf-8"?>
+<p:sldLayout xmlns:a="http://schemas.openxmlformats.org/drawingml/2006/main" xmlns:r="http://schemas.openxmlformats.org/officeDocument/2006/relationships" xmlns:p="http://schemas.openxmlformats.org/presentationml/2006/main" preserve="1" userDrawn="1">
+  <p:cSld name="1_Title and Content">
+    <p:spTree>
+      <p:nvGrpSpPr>
+        <p:cNvPr id="1" name=""/>
+        <p:cNvGrpSpPr/>
+        <p:nvPr/>
+      </p:nvGrpSpPr>
+      <p:grpSpPr>
+        <a:xfrm>
+          <a:off x="0" y="0"/>
+          <a:ext cx="0" cy="0"/>
+          <a:chOff x="0" y="0"/>
+          <a:chExt cx="0" cy="0"/>
+        </a:xfrm>
+      </p:grpSpPr>
+      <p:sp>
+        <p:nvSpPr>
+          <p:cNvPr id="4" name="Text Placeholder 3"/>
+          <p:cNvSpPr>
+            <a:spLocks noGrp="1"/>
+          </p:cNvSpPr>
+          <p:nvPr>
+            <p:ph type="body" sz="quarter" idx="10"/>
+          </p:nvPr>
+        </p:nvSpPr>
+        <p:spPr>
+          <a:xfrm>
+            <a:off x="464400" y="1212850"/>
+            <a:ext cx="11574000" cy="1566583"/>
+          </a:xfrm>
+        </p:spPr>
+        <p:txBody>
+          <a:bodyPr>
+            <a:spAutoFit/>
+          </a:bodyPr>
+          <a:lstStyle>
+            <a:lvl1pPr>
+              <a:defRPr sz="2400"/>
+            </a:lvl1pPr>
+            <a:lvl2pPr>
+              <a:defRPr sz="1800"/>
+            </a:lvl2pPr>
+            <a:lvl3pPr>
+              <a:defRPr sz="1600"/>
+            </a:lvl3pPr>
+            <a:lvl4pPr>
+              <a:defRPr sz="1400"/>
+            </a:lvl4pPr>
+            <a:lvl5pPr>
+              <a:defRPr sz="1400"/>
+            </a:lvl5pPr>
+          </a:lstStyle>
+          <a:p>
+            <a:pPr lvl="0"/>
+            <a:r>
+              <a:rPr lang="en-US" dirty="0"/>
+              <a:t>Edit Master text styles</a:t>
+            </a:r>
+          </a:p>
+          <a:p>
+            <a:pPr lvl="1"/>
+            <a:r>
+              <a:rPr lang="en-US" dirty="0"/>
+              <a:t>Second level</a:t>
+            </a:r>
+          </a:p>
+          <a:p>
+            <a:pPr lvl="2"/>
+            <a:r>
+              <a:rPr lang="en-US" dirty="0"/>
+              <a:t>Third level</a:t>
+            </a:r>
+          </a:p>
+          <a:p>
+            <a:pPr lvl="3"/>
+            <a:r>
+              <a:rPr lang="en-US" dirty="0"/>
+              <a:t>Fourth level</a:t>
+            </a:r>
+          </a:p>
+          <a:p>
+            <a:pPr lvl="4"/>
+            <a:r>
+              <a:rPr lang="en-US" dirty="0"/>
+              <a:t>Fifth level</a:t>
+            </a:r>
+          </a:p>
+        </p:txBody>
+      </p:sp>
+      <p:sp>
+        <p:nvSpPr>
+          <p:cNvPr id="6" name="Title 5"/>
+          <p:cNvSpPr>
+            <a:spLocks noGrp="1"/>
+          </p:cNvSpPr>
+          <p:nvPr>
+            <p:ph type="title"/>
+          </p:nvPr>
+        </p:nvSpPr>
+        <p:spPr>
+          <a:xfrm>
+            <a:off x="464400" y="633600"/>
+            <a:ext cx="11574000" cy="410369"/>
+          </a:xfrm>
+        </p:spPr>
+        <p:txBody>
+          <a:bodyPr vert="horz" wrap="square" lIns="0" tIns="0" rIns="0" bIns="0" rtlCol="0" anchor="t">
+            <a:spAutoFit/>
+          </a:bodyPr>
+          <a:lstStyle>
+            <a:lvl1pPr>
+              <a:defRPr lang="en-US" sz="2800">
+                <a:solidFill>
+                  <a:srgbClr val="2F2F2F"/>
+                </a:solidFill>
+              </a:defRPr>
+            </a:lvl1pPr>
+          </a:lstStyle>
+          <a:p>
+            <a:pPr lvl="0">
+              <a:lnSpc>
+                <a:spcPts val="3200"/>
+              </a:lnSpc>
+            </a:pPr>
+            <a:r>
+              <a:rPr lang="en-US" dirty="0"/>
+              <a:t>Click to edit Master title style</a:t>
+            </a:r>
+          </a:p>
+        </p:txBody>
+      </p:sp>
+    </p:spTree>
+    <p:extLst>
+      <p:ext uri="{BB962C8B-B14F-4D97-AF65-F5344CB8AC3E}">
+        <p14:creationId xmlns:p14="http://schemas.microsoft.com/office/powerpoint/2010/main" val="3869438213"/>
+      </p:ext>
+    </p:extLst>
+  </p:cSld>
+  <p:clrMapOvr>
+    <a:masterClrMapping/>
+  </p:clrMapOvr>
+  <p:transition>
+    <p:fade/>
+  </p:transition>
+</p:sldLayout>
+</file>
+
 <file path=ppt/slideLayouts/slideLayout4.xml><?xml version="1.0" encoding="utf-8"?>
 <p:sldLayout xmlns:a="http://schemas.openxmlformats.org/drawingml/2006/main" xmlns:r="http://schemas.openxmlformats.org/officeDocument/2006/relationships" xmlns:p="http://schemas.openxmlformats.org/presentationml/2006/main" preserve="1" userDrawn="1">
   <p:cSld name="Table of Contents">
@@ -14324,7 +14940,7 @@
           <p:nvPr userDrawn="1"/>
         </p:nvPicPr>
         <p:blipFill>
-          <a:blip r:embed="rId30" cstate="screen">
+          <a:blip r:embed="rId33" cstate="screen">
             <a:extLst>
               <a:ext uri="{28A0092B-C50C-407E-A947-70E740481C1C}">
                 <a14:useLocalDpi xmlns:a14="http://schemas.microsoft.com/office/drawing/2010/main"/>
@@ -14382,6 +14998,9 @@
     <p:sldLayoutId id="2147484552" r:id="rId26"/>
     <p:sldLayoutId id="2147484556" r:id="rId27"/>
     <p:sldLayoutId id="2147484558" r:id="rId28"/>
+    <p:sldLayoutId id="2147484559" r:id="rId29"/>
+    <p:sldLayoutId id="2147484560" r:id="rId30"/>
+    <p:sldLayoutId id="2147484561" r:id="rId31"/>
   </p:sldLayoutIdLst>
   <p:transition>
     <p:fade/>
@@ -15279,12 +15898,7 @@
             <p:ph type="body" sz="quarter" idx="10"/>
           </p:nvPr>
         </p:nvSpPr>
-        <p:spPr>
-          <a:xfrm>
-            <a:off x="274638" y="1212850"/>
-            <a:ext cx="11887200" cy="5552289"/>
-          </a:xfrm>
-        </p:spPr>
+        <p:spPr/>
         <p:txBody>
           <a:bodyPr/>
           <a:lstStyle/>
@@ -15483,12 +16097,7 @@
             <p:ph type="body" sz="quarter" idx="10"/>
           </p:nvPr>
         </p:nvSpPr>
-        <p:spPr>
-          <a:xfrm>
-            <a:off x="274638" y="1212850"/>
-            <a:ext cx="11887200" cy="5570756"/>
-          </a:xfrm>
-        </p:spPr>
+        <p:spPr/>
         <p:txBody>
           <a:bodyPr/>
           <a:lstStyle/>
@@ -15734,8 +16343,8 @@
         </p:nvSpPr>
         <p:spPr>
           <a:xfrm>
-            <a:off x="528849" y="1476622"/>
-            <a:ext cx="11378776" cy="6057043"/>
+            <a:off x="464400" y="1178952"/>
+            <a:ext cx="11575200" cy="4588949"/>
           </a:xfrm>
         </p:spPr>
         <p:txBody>
@@ -15743,7 +16352,7 @@
           <a:lstStyle/>
           <a:p>
             <a:r>
-              <a:rPr lang="en-US" sz="2400" dirty="0">
+              <a:rPr lang="en-US" sz="1800" dirty="0">
                 <a:solidFill>
                   <a:schemeClr val="accent1"/>
                 </a:solidFill>
@@ -15751,7 +16360,7 @@
               <a:t>import { </a:t>
             </a:r>
             <a:r>
-              <a:rPr lang="en-US" sz="2400" dirty="0" err="1">
+              <a:rPr lang="en-US" sz="1800" dirty="0" err="1">
                 <a:solidFill>
                   <a:schemeClr val="accent1"/>
                 </a:solidFill>
@@ -15759,7 +16368,7 @@
               <a:t>HttpClient</a:t>
             </a:r>
             <a:r>
-              <a:rPr lang="en-US" sz="2400" dirty="0">
+              <a:rPr lang="en-US" sz="1800" dirty="0">
                 <a:solidFill>
                   <a:schemeClr val="accent1"/>
                 </a:solidFill>
@@ -15767,7 +16376,7 @@
               <a:t>, </a:t>
             </a:r>
             <a:r>
-              <a:rPr lang="en-US" sz="2400" dirty="0" err="1">
+              <a:rPr lang="en-US" sz="1800" dirty="0" err="1">
                 <a:solidFill>
                   <a:schemeClr val="accent1"/>
                 </a:solidFill>
@@ -15775,7 +16384,7 @@
               <a:t>HttpClientResponse</a:t>
             </a:r>
             <a:r>
-              <a:rPr lang="en-US" sz="2400" dirty="0">
+              <a:rPr lang="en-US" sz="1800" dirty="0">
                 <a:solidFill>
                   <a:schemeClr val="accent1"/>
                 </a:solidFill>
@@ -15785,7 +16394,7 @@
           </a:p>
           <a:p>
             <a:r>
-              <a:rPr lang="en-US" sz="2400" dirty="0">
+              <a:rPr lang="en-US" sz="1800" dirty="0">
                 <a:solidFill>
                   <a:schemeClr val="accent1"/>
                 </a:solidFill>
@@ -15793,7 +16402,7 @@
               <a:t>  from '@</a:t>
             </a:r>
             <a:r>
-              <a:rPr lang="en-US" sz="2400" dirty="0" err="1">
+              <a:rPr lang="en-US" sz="1800" dirty="0" err="1">
                 <a:solidFill>
                   <a:schemeClr val="accent1"/>
                 </a:solidFill>
@@ -15801,7 +16410,7 @@
               <a:t>microsoft</a:t>
             </a:r>
             <a:r>
-              <a:rPr lang="en-US" sz="2400" dirty="0">
+              <a:rPr lang="en-US" sz="1800" dirty="0">
                 <a:solidFill>
                   <a:schemeClr val="accent1"/>
                 </a:solidFill>
@@ -15809,7 +16418,7 @@
               <a:t>/</a:t>
             </a:r>
             <a:r>
-              <a:rPr lang="en-US" sz="2400" dirty="0" err="1">
+              <a:rPr lang="en-US" sz="1800" dirty="0" err="1">
                 <a:solidFill>
                   <a:schemeClr val="accent1"/>
                 </a:solidFill>
@@ -15817,7 +16426,7 @@
               <a:t>sp</a:t>
             </a:r>
             <a:r>
-              <a:rPr lang="en-US" sz="2400" dirty="0">
+              <a:rPr lang="en-US" sz="1800" dirty="0">
                 <a:solidFill>
                   <a:schemeClr val="accent1"/>
                 </a:solidFill>
@@ -15826,7 +16435,7 @@
             </a:r>
           </a:p>
           <a:p>
-            <a:endParaRPr lang="en-US" sz="2400" dirty="0">
+            <a:endParaRPr lang="en-US" sz="1800" dirty="0">
               <a:solidFill>
                 <a:schemeClr val="bg1">
                   <a:lumMod val="10000"/>
@@ -15836,11 +16445,11 @@
           </a:p>
           <a:p>
             <a:r>
-              <a:rPr lang="en-US" sz="2400" dirty="0"/>
+              <a:rPr lang="en-US" sz="1800" dirty="0"/>
               <a:t>return </a:t>
             </a:r>
             <a:r>
-              <a:rPr lang="en-US" sz="2400" dirty="0" err="1">
+              <a:rPr lang="en-US" sz="1800" dirty="0" err="1">
                 <a:solidFill>
                   <a:schemeClr val="accent1"/>
                 </a:solidFill>
@@ -15848,7 +16457,7 @@
               <a:t>this.context.httpClient.get</a:t>
             </a:r>
             <a:r>
-              <a:rPr lang="en-US" sz="2400" dirty="0">
+              <a:rPr lang="en-US" sz="1800" dirty="0">
                 <a:solidFill>
                   <a:schemeClr val="accent1"/>
                 </a:solidFill>
@@ -15858,7 +16467,7 @@
           </a:p>
           <a:p>
             <a:r>
-              <a:rPr lang="en-US" sz="2400" dirty="0">
+              <a:rPr lang="en-US" sz="1800" dirty="0">
                 <a:solidFill>
                   <a:schemeClr val="accent1"/>
                 </a:solidFill>
@@ -15868,7 +16477,7 @@
           </a:p>
           <a:p>
             <a:r>
-              <a:rPr lang="en-US" sz="2400" dirty="0">
+              <a:rPr lang="en-US" sz="1800" dirty="0">
                 <a:solidFill>
                   <a:schemeClr val="accent1"/>
                 </a:solidFill>
@@ -15878,7 +16487,7 @@
           </a:p>
           <a:p>
             <a:r>
-              <a:rPr lang="en-US" sz="2400" dirty="0">
+              <a:rPr lang="en-US" sz="1800" dirty="0">
                 <a:solidFill>
                   <a:schemeClr val="accent1"/>
                 </a:solidFill>
@@ -15888,11 +16497,11 @@
           </a:p>
           <a:p>
             <a:r>
-              <a:rPr lang="en-US" sz="2400" dirty="0"/>
+              <a:rPr lang="en-US" sz="1800" dirty="0"/>
               <a:t>.then((response: </a:t>
             </a:r>
             <a:r>
-              <a:rPr lang="en-US" sz="2400" dirty="0" err="1">
+              <a:rPr lang="en-US" sz="1800" dirty="0" err="1">
                 <a:solidFill>
                   <a:schemeClr val="accent1"/>
                 </a:solidFill>
@@ -15900,66 +16509,66 @@
               <a:t>HttpClientResponse</a:t>
             </a:r>
             <a:r>
-              <a:rPr lang="en-US" sz="2400" dirty="0"/>
+              <a:rPr lang="en-US" sz="1800" dirty="0"/>
               <a:t>) =&gt; {</a:t>
             </a:r>
           </a:p>
           <a:p>
             <a:r>
-              <a:rPr lang="en-US" sz="2400" dirty="0"/>
+              <a:rPr lang="en-US" sz="1800" dirty="0"/>
               <a:t>  return </a:t>
             </a:r>
             <a:r>
-              <a:rPr lang="en-US" sz="2400" dirty="0" err="1"/>
+              <a:rPr lang="en-US" sz="1800" dirty="0" err="1"/>
               <a:t>response.json</a:t>
             </a:r>
             <a:r>
-              <a:rPr lang="en-US" sz="2400" dirty="0"/>
+              <a:rPr lang="en-US" sz="1800" dirty="0"/>
               <a:t>();</a:t>
             </a:r>
           </a:p>
           <a:p>
             <a:r>
-              <a:rPr lang="en-US" sz="2400" dirty="0"/>
+              <a:rPr lang="en-US" sz="1800" dirty="0"/>
               <a:t>})</a:t>
             </a:r>
           </a:p>
           <a:p>
             <a:r>
-              <a:rPr lang="en-US" sz="2400" dirty="0"/>
+              <a:rPr lang="en-US" sz="1800" dirty="0"/>
               <a:t>.then(</a:t>
             </a:r>
             <a:r>
-              <a:rPr lang="en-US" sz="2400" dirty="0" err="1"/>
+              <a:rPr lang="en-US" sz="1800" dirty="0" err="1"/>
               <a:t>jsonResponse</a:t>
             </a:r>
             <a:r>
-              <a:rPr lang="en-US" sz="2400" dirty="0"/>
+              <a:rPr lang="en-US" sz="1800" dirty="0"/>
               <a:t> =&gt; {</a:t>
             </a:r>
           </a:p>
           <a:p>
             <a:r>
-              <a:rPr lang="en-US" sz="2400" dirty="0"/>
+              <a:rPr lang="en-US" sz="1800" dirty="0"/>
               <a:t>  return </a:t>
             </a:r>
             <a:r>
-              <a:rPr lang="en-US" sz="2400" dirty="0" err="1"/>
+              <a:rPr lang="en-US" sz="1800" dirty="0" err="1"/>
               <a:t>jsonResponse</a:t>
             </a:r>
             <a:r>
-              <a:rPr lang="en-US" sz="2400" dirty="0"/>
+              <a:rPr lang="en-US" sz="1800" dirty="0"/>
               <a:t>;</a:t>
             </a:r>
           </a:p>
           <a:p>
             <a:r>
-              <a:rPr lang="en-US" sz="2400" dirty="0"/>
+              <a:rPr lang="en-US" sz="1800" dirty="0"/>
               <a:t>}) as Promise&lt;any&gt;;</a:t>
             </a:r>
           </a:p>
           <a:p>
-            <a:endParaRPr lang="en-US" sz="2400" dirty="0"/>
+            <a:endParaRPr lang="en-US" sz="1800" dirty="0"/>
           </a:p>
         </p:txBody>
       </p:sp>

--- a/01 httpclient.pptx
+++ b/01 httpclient.pptx
@@ -11,16 +11,16 @@
     <p:handoutMasterId r:id="rId14"/>
   </p:handoutMasterIdLst>
   <p:sldIdLst>
-    <p:sldId id="257" r:id="rId3"/>
-    <p:sldId id="263" r:id="rId4"/>
+    <p:sldId id="1575" r:id="rId3"/>
+    <p:sldId id="1576" r:id="rId4"/>
     <p:sldId id="1547" r:id="rId5"/>
     <p:sldId id="1548" r:id="rId6"/>
     <p:sldId id="1549" r:id="rId7"/>
-    <p:sldId id="265" r:id="rId8"/>
-    <p:sldId id="283" r:id="rId9"/>
-    <p:sldId id="279" r:id="rId10"/>
-    <p:sldId id="261" r:id="rId11"/>
-    <p:sldId id="260" r:id="rId12"/>
+    <p:sldId id="1577" r:id="rId8"/>
+    <p:sldId id="1578" r:id="rId9"/>
+    <p:sldId id="1579" r:id="rId10"/>
+    <p:sldId id="1580" r:id="rId11"/>
+    <p:sldId id="1581" r:id="rId12"/>
   </p:sldIdLst>
   <p:sldSz cx="12436475" cy="6994525"/>
   <p:notesSz cx="6858000" cy="9144000"/>
@@ -124,24 +124,24 @@
       <p14:sectionLst xmlns:p14="http://schemas.microsoft.com/office/powerpoint/2010/main">
         <p14:section name="intro" id="{E1FBED56-7E21-C94D-8049-451270E8C32A}">
           <p14:sldIdLst>
-            <p14:sldId id="257"/>
-            <p14:sldId id="263"/>
+            <p14:sldId id="1575"/>
+            <p14:sldId id="1576"/>
           </p14:sldIdLst>
         </p14:section>
-        <p14:section name="body" id="{3A7429EF-79F1-A44F-B2E7-33EA665B892A}">
+        <p14:section name="body" id="{3D9C80B2-EAAE-E24F-83D7-5970E147313E}">
           <p14:sldIdLst>
             <p14:sldId id="1547"/>
             <p14:sldId id="1548"/>
             <p14:sldId id="1549"/>
-            <p14:sldId id="265"/>
+            <p14:sldId id="1577"/>
           </p14:sldIdLst>
         </p14:section>
         <p14:section name="outro" id="{E93196B6-EFE2-3242-B776-C77C0FCFFEF1}">
           <p14:sldIdLst>
-            <p14:sldId id="283"/>
-            <p14:sldId id="279"/>
-            <p14:sldId id="261"/>
-            <p14:sldId id="260"/>
+            <p14:sldId id="1578"/>
+            <p14:sldId id="1579"/>
+            <p14:sldId id="1580"/>
+            <p14:sldId id="1581"/>
           </p14:sldIdLst>
         </p14:section>
       </p14:sectionLst>
@@ -222,9 +222,12 @@
             </a:lvl1pPr>
           </a:lstStyle>
           <a:p>
-            <a:endParaRPr lang="en-US" dirty="0">
-              <a:latin typeface="Segoe UI" pitchFamily="34" charset="0"/>
-            </a:endParaRPr>
+            <a:r>
+              <a:rPr lang="en-US" dirty="0">
+                <a:latin typeface="Segoe UI" pitchFamily="34" charset="0"/>
+              </a:rPr>
+              <a:t>SharePoint Framework</a:t>
+            </a:r>
           </a:p>
         </p:txBody>
       </p:sp>
@@ -259,7 +262,7 @@
               <a:rPr lang="en-US" smtClean="0">
                 <a:latin typeface="Segoe UI" pitchFamily="34" charset="0"/>
               </a:rPr>
-              <a:t>12/20/18 1:02 PM</a:t>
+              <a:t>12/20/2018 9:34 PM</a:t>
             </a:fld>
             <a:endParaRPr lang="en-US" dirty="0">
               <a:latin typeface="Segoe UI" pitchFamily="34" charset="0"/>
@@ -419,7 +422,10 @@
             </a:lvl1pPr>
           </a:lstStyle>
           <a:p>
-            <a:endParaRPr lang="en-US" dirty="0"/>
+            <a:r>
+              <a:rPr lang="en-US" dirty="0"/>
+              <a:t>SharePoint Framework</a:t>
+            </a:r>
           </a:p>
         </p:txBody>
       </p:sp>
@@ -553,7 +559,7 @@
           <a:p>
             <a:fld id="{D18B56EA-E28F-4F92-9F16-7A6F2501B303}" type="datetime8">
               <a:rPr lang="en-US" smtClean="0"/>
-              <a:t>12/20/18 1:02 PM</a:t>
+              <a:t>12/20/2018 9:34 PM</a:t>
             </a:fld>
             <a:endParaRPr lang="en-US" dirty="0"/>
           </a:p>
@@ -936,7 +942,7 @@
           <a:p>
             <a:fld id="{D18B56EA-E28F-4F92-9F16-7A6F2501B303}" type="datetime8">
               <a:rPr lang="en-US" smtClean="0"/>
-              <a:t>12/20/18 1:02 PM</a:t>
+              <a:t>12/20/2018 9:34 PM</a:t>
             </a:fld>
             <a:endParaRPr lang="en-US" dirty="0"/>
           </a:p>
@@ -1117,7 +1123,7 @@
           <a:p>
             <a:fld id="{D18B56EA-E28F-4F92-9F16-7A6F2501B303}" type="datetime8">
               <a:rPr lang="en-US" smtClean="0"/>
-              <a:t>12/20/18 1:02 PM</a:t>
+              <a:t>12/20/2018 9:34 PM</a:t>
             </a:fld>
             <a:endParaRPr lang="en-US" dirty="0"/>
           </a:p>
@@ -1460,7 +1466,7 @@
           <a:p>
             <a:fld id="{D18B56EA-E28F-4F92-9F16-7A6F2501B303}" type="datetime8">
               <a:rPr lang="en-US" smtClean="0"/>
-              <a:t>12/20/18 1:02 PM</a:t>
+              <a:t>12/20/2018 9:34 PM</a:t>
             </a:fld>
             <a:endParaRPr lang="en-US" dirty="0"/>
           </a:p>
@@ -1641,7 +1647,7 @@
           <a:p>
             <a:fld id="{D18B56EA-E28F-4F92-9F16-7A6F2501B303}" type="datetime8">
               <a:rPr lang="en-US" smtClean="0"/>
-              <a:t>12/20/18 1:02 PM</a:t>
+              <a:t>12/20/2018 9:34 PM</a:t>
             </a:fld>
             <a:endParaRPr lang="en-US" dirty="0"/>
           </a:p>
@@ -1822,7 +1828,7 @@
           <a:p>
             <a:fld id="{D18B56EA-E28F-4F92-9F16-7A6F2501B303}" type="datetime8">
               <a:rPr lang="en-US" smtClean="0"/>
-              <a:t>12/20/18 1:02 PM</a:t>
+              <a:t>12/20/2018 9:34 PM</a:t>
             </a:fld>
             <a:endParaRPr lang="en-US" dirty="0"/>
           </a:p>
@@ -2003,7 +2009,7 @@
           <a:p>
             <a:fld id="{D18B56EA-E28F-4F92-9F16-7A6F2501B303}" type="datetime8">
               <a:rPr lang="en-US" smtClean="0"/>
-              <a:t>12/20/18 1:02 PM</a:t>
+              <a:t>12/20/2018 9:34 PM</a:t>
             </a:fld>
             <a:endParaRPr lang="en-US" dirty="0"/>
           </a:p>
@@ -2184,7 +2190,7 @@
           <a:p>
             <a:fld id="{D18B56EA-E28F-4F92-9F16-7A6F2501B303}" type="datetime8">
               <a:rPr lang="en-US" smtClean="0"/>
-              <a:t>12/20/18 1:02 PM</a:t>
+              <a:t>12/20/2018 9:34 PM</a:t>
             </a:fld>
             <a:endParaRPr lang="en-US" dirty="0"/>
           </a:p>
@@ -6463,7 +6469,7 @@
           <a:lstStyle/>
           <a:p>
             <a:r>
-              <a:rPr lang="en-US"/>
+              <a:rPr lang="en-US" dirty="0"/>
               <a:t>Click icon to add table</a:t>
             </a:r>
           </a:p>
@@ -6885,6 +6891,312 @@
 
 <file path=ppt/slideLayouts/slideLayout26.xml><?xml version="1.0" encoding="utf-8"?>
 <p:sldLayout xmlns:a="http://schemas.openxmlformats.org/drawingml/2006/main" xmlns:r="http://schemas.openxmlformats.org/officeDocument/2006/relationships" xmlns:p="http://schemas.openxmlformats.org/presentationml/2006/main" userDrawn="1">
+  <p:cSld name="Title &amp; 2-color Non-bulleted text">
+    <p:spTree>
+      <p:nvGrpSpPr>
+        <p:cNvPr id="1" name=""/>
+        <p:cNvGrpSpPr/>
+        <p:nvPr/>
+      </p:nvGrpSpPr>
+      <p:grpSpPr>
+        <a:xfrm>
+          <a:off x="0" y="0"/>
+          <a:ext cx="0" cy="0"/>
+          <a:chOff x="0" y="0"/>
+          <a:chExt cx="0" cy="0"/>
+        </a:xfrm>
+      </p:grpSpPr>
+      <p:sp>
+        <p:nvSpPr>
+          <p:cNvPr id="2" name="Title 1"/>
+          <p:cNvSpPr>
+            <a:spLocks noGrp="1"/>
+          </p:cNvSpPr>
+          <p:nvPr>
+            <p:ph type="title"/>
+          </p:nvPr>
+        </p:nvSpPr>
+        <p:spPr>
+          <a:xfrm>
+            <a:off x="464400" y="633600"/>
+            <a:ext cx="11574000" cy="410369"/>
+          </a:xfrm>
+        </p:spPr>
+        <p:txBody>
+          <a:bodyPr vert="horz" wrap="square" lIns="0" tIns="0" rIns="0" bIns="0" rtlCol="0" anchor="t">
+            <a:spAutoFit/>
+          </a:bodyPr>
+          <a:lstStyle>
+            <a:lvl1pPr>
+              <a:defRPr lang="en-US" sz="2800" dirty="0">
+                <a:solidFill>
+                  <a:srgbClr val="2F2F2F"/>
+                </a:solidFill>
+              </a:defRPr>
+            </a:lvl1pPr>
+          </a:lstStyle>
+          <a:p>
+            <a:pPr lvl="0">
+              <a:lnSpc>
+                <a:spcPts val="3200"/>
+              </a:lnSpc>
+            </a:pPr>
+            <a:r>
+              <a:rPr lang="en-US" dirty="0"/>
+              <a:t>Click to edit Master title style</a:t>
+            </a:r>
+          </a:p>
+        </p:txBody>
+      </p:sp>
+      <p:sp>
+        <p:nvSpPr>
+          <p:cNvPr id="6" name="Text Placeholder 5"/>
+          <p:cNvSpPr>
+            <a:spLocks noGrp="1"/>
+          </p:cNvSpPr>
+          <p:nvPr>
+            <p:ph type="body" sz="quarter" idx="10"/>
+          </p:nvPr>
+        </p:nvSpPr>
+        <p:spPr>
+          <a:xfrm>
+            <a:off x="464400" y="1212850"/>
+            <a:ext cx="11574000" cy="1346522"/>
+          </a:xfrm>
+        </p:spPr>
+        <p:txBody>
+          <a:bodyPr/>
+          <a:lstStyle>
+            <a:lvl1pPr marL="0" indent="0">
+              <a:buNone/>
+              <a:defRPr sz="2400">
+                <a:solidFill>
+                  <a:schemeClr val="tx2"/>
+                </a:solidFill>
+              </a:defRPr>
+            </a:lvl1pPr>
+            <a:lvl2pPr marL="0" indent="0">
+              <a:buFontTx/>
+              <a:buNone/>
+              <a:defRPr sz="1400"/>
+            </a:lvl2pPr>
+            <a:lvl3pPr marL="228600" indent="0">
+              <a:buNone/>
+              <a:defRPr sz="1200"/>
+            </a:lvl3pPr>
+            <a:lvl4pPr marL="457200" indent="0">
+              <a:buNone/>
+              <a:defRPr sz="1100"/>
+            </a:lvl4pPr>
+            <a:lvl5pPr marL="685800" indent="0">
+              <a:buNone/>
+              <a:defRPr sz="1050"/>
+            </a:lvl5pPr>
+          </a:lstStyle>
+          <a:p>
+            <a:pPr lvl="0"/>
+            <a:r>
+              <a:rPr lang="en-US" dirty="0"/>
+              <a:t>Edit Master text styles</a:t>
+            </a:r>
+          </a:p>
+          <a:p>
+            <a:pPr lvl="1"/>
+            <a:r>
+              <a:rPr lang="en-US" dirty="0"/>
+              <a:t>Second level</a:t>
+            </a:r>
+          </a:p>
+          <a:p>
+            <a:pPr lvl="2"/>
+            <a:r>
+              <a:rPr lang="en-US" dirty="0"/>
+              <a:t>Third level</a:t>
+            </a:r>
+          </a:p>
+          <a:p>
+            <a:pPr lvl="3"/>
+            <a:r>
+              <a:rPr lang="en-US" dirty="0"/>
+              <a:t>Fourth level</a:t>
+            </a:r>
+          </a:p>
+          <a:p>
+            <a:pPr lvl="4"/>
+            <a:r>
+              <a:rPr lang="en-US" dirty="0"/>
+              <a:t>Fifth level</a:t>
+            </a:r>
+          </a:p>
+        </p:txBody>
+      </p:sp>
+    </p:spTree>
+    <p:extLst>
+      <p:ext uri="{BB962C8B-B14F-4D97-AF65-F5344CB8AC3E}">
+        <p14:creationId xmlns:p14="http://schemas.microsoft.com/office/powerpoint/2010/main" val="3845859015"/>
+      </p:ext>
+    </p:extLst>
+  </p:cSld>
+  <p:clrMapOvr>
+    <a:masterClrMapping/>
+  </p:clrMapOvr>
+  <p:transition>
+    <p:fade/>
+  </p:transition>
+</p:sldLayout>
+</file>
+
+<file path=ppt/slideLayouts/slideLayout27.xml><?xml version="1.0" encoding="utf-8"?>
+<p:sldLayout xmlns:a="http://schemas.openxmlformats.org/drawingml/2006/main" xmlns:r="http://schemas.openxmlformats.org/officeDocument/2006/relationships" xmlns:p="http://schemas.openxmlformats.org/presentationml/2006/main" userDrawn="1">
+  <p:cSld name="Title and Content">
+    <p:spTree>
+      <p:nvGrpSpPr>
+        <p:cNvPr id="1" name=""/>
+        <p:cNvGrpSpPr/>
+        <p:nvPr/>
+      </p:nvGrpSpPr>
+      <p:grpSpPr>
+        <a:xfrm>
+          <a:off x="0" y="0"/>
+          <a:ext cx="0" cy="0"/>
+          <a:chOff x="0" y="0"/>
+          <a:chExt cx="0" cy="0"/>
+        </a:xfrm>
+      </p:grpSpPr>
+      <p:sp>
+        <p:nvSpPr>
+          <p:cNvPr id="4" name="Text Placeholder 3"/>
+          <p:cNvSpPr>
+            <a:spLocks noGrp="1"/>
+          </p:cNvSpPr>
+          <p:nvPr>
+            <p:ph type="body" sz="quarter" idx="10"/>
+          </p:nvPr>
+        </p:nvSpPr>
+        <p:spPr>
+          <a:xfrm>
+            <a:off x="464400" y="1212850"/>
+            <a:ext cx="11574000" cy="1566583"/>
+          </a:xfrm>
+        </p:spPr>
+        <p:txBody>
+          <a:bodyPr>
+            <a:spAutoFit/>
+          </a:bodyPr>
+          <a:lstStyle>
+            <a:lvl1pPr>
+              <a:defRPr sz="2400"/>
+            </a:lvl1pPr>
+            <a:lvl2pPr>
+              <a:defRPr sz="1800"/>
+            </a:lvl2pPr>
+            <a:lvl3pPr>
+              <a:defRPr sz="1600"/>
+            </a:lvl3pPr>
+            <a:lvl4pPr>
+              <a:defRPr sz="1400"/>
+            </a:lvl4pPr>
+            <a:lvl5pPr>
+              <a:defRPr sz="1400"/>
+            </a:lvl5pPr>
+          </a:lstStyle>
+          <a:p>
+            <a:pPr lvl="0"/>
+            <a:r>
+              <a:rPr lang="en-US" dirty="0"/>
+              <a:t>Edit Master text styles</a:t>
+            </a:r>
+          </a:p>
+          <a:p>
+            <a:pPr lvl="1"/>
+            <a:r>
+              <a:rPr lang="en-US" dirty="0"/>
+              <a:t>Second level</a:t>
+            </a:r>
+          </a:p>
+          <a:p>
+            <a:pPr lvl="2"/>
+            <a:r>
+              <a:rPr lang="en-US" dirty="0"/>
+              <a:t>Third level</a:t>
+            </a:r>
+          </a:p>
+          <a:p>
+            <a:pPr lvl="3"/>
+            <a:r>
+              <a:rPr lang="en-US" dirty="0"/>
+              <a:t>Fourth level</a:t>
+            </a:r>
+          </a:p>
+          <a:p>
+            <a:pPr lvl="4"/>
+            <a:r>
+              <a:rPr lang="en-US" dirty="0"/>
+              <a:t>Fifth level</a:t>
+            </a:r>
+          </a:p>
+        </p:txBody>
+      </p:sp>
+      <p:sp>
+        <p:nvSpPr>
+          <p:cNvPr id="6" name="Title 5"/>
+          <p:cNvSpPr>
+            <a:spLocks noGrp="1"/>
+          </p:cNvSpPr>
+          <p:nvPr>
+            <p:ph type="title"/>
+          </p:nvPr>
+        </p:nvSpPr>
+        <p:spPr>
+          <a:xfrm>
+            <a:off x="464400" y="633600"/>
+            <a:ext cx="11574000" cy="410369"/>
+          </a:xfrm>
+        </p:spPr>
+        <p:txBody>
+          <a:bodyPr vert="horz" wrap="square" lIns="0" tIns="0" rIns="0" bIns="0" rtlCol="0" anchor="t">
+            <a:spAutoFit/>
+          </a:bodyPr>
+          <a:lstStyle>
+            <a:lvl1pPr>
+              <a:defRPr lang="en-US" sz="2800">
+                <a:solidFill>
+                  <a:srgbClr val="2F2F2F"/>
+                </a:solidFill>
+              </a:defRPr>
+            </a:lvl1pPr>
+          </a:lstStyle>
+          <a:p>
+            <a:pPr lvl="0">
+              <a:lnSpc>
+                <a:spcPts val="3200"/>
+              </a:lnSpc>
+            </a:pPr>
+            <a:r>
+              <a:rPr lang="en-US" dirty="0"/>
+              <a:t>Click to edit Master title style</a:t>
+            </a:r>
+          </a:p>
+        </p:txBody>
+      </p:sp>
+    </p:spTree>
+    <p:extLst>
+      <p:ext uri="{BB962C8B-B14F-4D97-AF65-F5344CB8AC3E}">
+        <p14:creationId xmlns:p14="http://schemas.microsoft.com/office/powerpoint/2010/main" val="2439250095"/>
+      </p:ext>
+    </p:extLst>
+  </p:cSld>
+  <p:clrMapOvr>
+    <a:masterClrMapping/>
+  </p:clrMapOvr>
+  <p:transition>
+    <p:fade/>
+  </p:transition>
+</p:sldLayout>
+</file>
+
+<file path=ppt/slideLayouts/slideLayout28.xml><?xml version="1.0" encoding="utf-8"?>
+<p:sldLayout xmlns:a="http://schemas.openxmlformats.org/drawingml/2006/main" xmlns:r="http://schemas.openxmlformats.org/officeDocument/2006/relationships" xmlns:p="http://schemas.openxmlformats.org/presentationml/2006/main" userDrawn="1">
   <p:cSld name="Developer Code Layout">
     <p:spTree>
       <p:nvGrpSpPr>
@@ -6910,27 +7222,31 @@
             <p:ph type="title" hasCustomPrompt="1"/>
           </p:nvPr>
         </p:nvSpPr>
-        <p:spPr/>
+        <p:spPr>
+          <a:xfrm>
+            <a:off x="464400" y="633600"/>
+            <a:ext cx="11575200" cy="410369"/>
+          </a:xfrm>
+        </p:spPr>
         <p:txBody>
-          <a:bodyPr/>
+          <a:bodyPr vert="horz" wrap="square" lIns="0" tIns="0" rIns="0" bIns="0" rtlCol="0" anchor="t">
+            <a:spAutoFit/>
+          </a:bodyPr>
           <a:lstStyle>
             <a:lvl1pPr>
-              <a:defRPr>
-                <a:gradFill>
-                  <a:gsLst>
-                    <a:gs pos="1250">
-                      <a:schemeClr val="tx2"/>
-                    </a:gs>
-                    <a:gs pos="100000">
-                      <a:schemeClr val="tx2"/>
-                    </a:gs>
-                  </a:gsLst>
-                  <a:lin ang="5400000" scaled="0"/>
-                </a:gradFill>
+              <a:defRPr lang="en-US" sz="2800" dirty="0">
+                <a:solidFill>
+                  <a:srgbClr val="2F2F2F"/>
+                </a:solidFill>
               </a:defRPr>
             </a:lvl1pPr>
           </a:lstStyle>
           <a:p>
+            <a:pPr lvl="0">
+              <a:lnSpc>
+                <a:spcPts val="3200"/>
+              </a:lnSpc>
+            </a:pPr>
             <a:r>
               <a:rPr lang="en-US" dirty="0"/>
               <a:t>Slide for Developer Code</a:t>
@@ -7023,8 +7339,8 @@
         </p:nvSpPr>
         <p:spPr>
           <a:xfrm>
-            <a:off x="528849" y="1476622"/>
-            <a:ext cx="11378776" cy="2360774"/>
+            <a:off x="464400" y="1178952"/>
+            <a:ext cx="11575200" cy="2658444"/>
           </a:xfrm>
         </p:spPr>
         <p:txBody>
@@ -7139,648 +7455,44 @@
           <a:p>
             <a:pPr lvl="0"/>
             <a:r>
-              <a:rPr lang="en-US"/>
+              <a:rPr lang="en-US" dirty="0"/>
               <a:t>Click to edit Master text styles</a:t>
             </a:r>
           </a:p>
           <a:p>
             <a:pPr lvl="1"/>
             <a:r>
-              <a:rPr lang="en-US"/>
+              <a:rPr lang="en-US" dirty="0"/>
               <a:t>Second level</a:t>
             </a:r>
           </a:p>
           <a:p>
             <a:pPr lvl="2"/>
             <a:r>
-              <a:rPr lang="en-US"/>
+              <a:rPr lang="en-US" dirty="0"/>
               <a:t>Third level</a:t>
             </a:r>
           </a:p>
           <a:p>
             <a:pPr lvl="3"/>
             <a:r>
-              <a:rPr lang="en-US"/>
+              <a:rPr lang="en-US" dirty="0"/>
               <a:t>Fourth level</a:t>
             </a:r>
           </a:p>
           <a:p>
             <a:pPr lvl="4"/>
             <a:r>
-              <a:rPr lang="en-US"/>
+              <a:rPr lang="en-US" dirty="0"/>
               <a:t>Fifth level</a:t>
             </a:r>
-            <a:endParaRPr lang="en-US" dirty="0"/>
           </a:p>
         </p:txBody>
       </p:sp>
     </p:spTree>
     <p:extLst>
       <p:ext uri="{BB962C8B-B14F-4D97-AF65-F5344CB8AC3E}">
-        <p14:creationId xmlns:p14="http://schemas.microsoft.com/office/powerpoint/2010/main" val="2517332202"/>
-      </p:ext>
-    </p:extLst>
-  </p:cSld>
-  <p:clrMapOvr>
-    <a:masterClrMapping/>
-  </p:clrMapOvr>
-  <p:transition>
-    <p:fade/>
-  </p:transition>
-</p:sldLayout>
-</file>
-
-<file path=ppt/slideLayouts/slideLayout27.xml><?xml version="1.0" encoding="utf-8"?>
-<p:sldLayout xmlns:a="http://schemas.openxmlformats.org/drawingml/2006/main" xmlns:r="http://schemas.openxmlformats.org/officeDocument/2006/relationships" xmlns:p="http://schemas.openxmlformats.org/presentationml/2006/main" userDrawn="1">
-  <p:cSld name="Title &amp; 2-color Non-bulleted text">
-    <p:spTree>
-      <p:nvGrpSpPr>
-        <p:cNvPr id="1" name=""/>
-        <p:cNvGrpSpPr/>
-        <p:nvPr/>
-      </p:nvGrpSpPr>
-      <p:grpSpPr>
-        <a:xfrm>
-          <a:off x="0" y="0"/>
-          <a:ext cx="0" cy="0"/>
-          <a:chOff x="0" y="0"/>
-          <a:chExt cx="0" cy="0"/>
-        </a:xfrm>
-      </p:grpSpPr>
-      <p:pic>
-        <p:nvPicPr>
-          <p:cNvPr id="7" name="Picture 6"/>
-          <p:cNvPicPr>
-            <a:picLocks noChangeAspect="1"/>
-          </p:cNvPicPr>
-          <p:nvPr userDrawn="1"/>
-        </p:nvPicPr>
-        <p:blipFill>
-          <a:blip r:embed="rId2" cstate="screen">
-            <a:extLst>
-              <a:ext uri="{28A0092B-C50C-407E-A947-70E740481C1C}">
-                <a14:useLocalDpi xmlns:a14="http://schemas.microsoft.com/office/drawing/2010/main"/>
-              </a:ext>
-            </a:extLst>
-          </a:blip>
-          <a:stretch>
-            <a:fillRect/>
-          </a:stretch>
-        </p:blipFill>
-        <p:spPr>
-          <a:xfrm>
-            <a:off x="10933639" y="6533467"/>
-            <a:ext cx="1501954" cy="477297"/>
-          </a:xfrm>
-          <a:prstGeom prst="rect">
-            <a:avLst/>
-          </a:prstGeom>
-        </p:spPr>
-      </p:pic>
-      <p:sp>
-        <p:nvSpPr>
-          <p:cNvPr id="2" name="Title 1"/>
-          <p:cNvSpPr>
-            <a:spLocks noGrp="1"/>
-          </p:cNvSpPr>
-          <p:nvPr>
-            <p:ph type="title"/>
-          </p:nvPr>
-        </p:nvSpPr>
-        <p:spPr/>
-        <p:txBody>
-          <a:bodyPr/>
-          <a:lstStyle/>
-          <a:p>
-            <a:r>
-              <a:rPr lang="en-US"/>
-              <a:t>Click to edit Master title style</a:t>
-            </a:r>
-            <a:endParaRPr lang="en-US" dirty="0"/>
-          </a:p>
-        </p:txBody>
-      </p:sp>
-      <p:sp>
-        <p:nvSpPr>
-          <p:cNvPr id="6" name="Text Placeholder 5"/>
-          <p:cNvSpPr>
-            <a:spLocks noGrp="1"/>
-          </p:cNvSpPr>
-          <p:nvPr>
-            <p:ph type="body" sz="quarter" idx="10"/>
-          </p:nvPr>
-        </p:nvSpPr>
-        <p:spPr>
-          <a:xfrm>
-            <a:off x="274638" y="1212850"/>
-            <a:ext cx="11887200" cy="1889748"/>
-          </a:xfrm>
-        </p:spPr>
-        <p:txBody>
-          <a:bodyPr/>
-          <a:lstStyle>
-            <a:lvl1pPr marL="0" indent="0">
-              <a:buNone/>
-              <a:defRPr>
-                <a:solidFill>
-                  <a:schemeClr val="tx2"/>
-                </a:solidFill>
-              </a:defRPr>
-            </a:lvl1pPr>
-            <a:lvl2pPr marL="0" indent="0">
-              <a:buFontTx/>
-              <a:buNone/>
-              <a:defRPr sz="2000"/>
-            </a:lvl2pPr>
-            <a:lvl3pPr marL="228600" indent="0">
-              <a:buNone/>
-              <a:defRPr sz="1800"/>
-            </a:lvl3pPr>
-            <a:lvl4pPr marL="457200" indent="0">
-              <a:buNone/>
-              <a:defRPr sz="1600"/>
-            </a:lvl4pPr>
-            <a:lvl5pPr marL="685800" indent="0">
-              <a:buNone/>
-              <a:defRPr sz="1400"/>
-            </a:lvl5pPr>
-          </a:lstStyle>
-          <a:p>
-            <a:pPr lvl="0"/>
-            <a:r>
-              <a:rPr lang="en-US"/>
-              <a:t>Edit Master text styles</a:t>
-            </a:r>
-          </a:p>
-          <a:p>
-            <a:pPr lvl="1"/>
-            <a:r>
-              <a:rPr lang="en-US"/>
-              <a:t>Second level</a:t>
-            </a:r>
-          </a:p>
-          <a:p>
-            <a:pPr lvl="2"/>
-            <a:r>
-              <a:rPr lang="en-US"/>
-              <a:t>Third level</a:t>
-            </a:r>
-          </a:p>
-          <a:p>
-            <a:pPr lvl="3"/>
-            <a:r>
-              <a:rPr lang="en-US"/>
-              <a:t>Fourth level</a:t>
-            </a:r>
-          </a:p>
-          <a:p>
-            <a:pPr lvl="4"/>
-            <a:r>
-              <a:rPr lang="en-US"/>
-              <a:t>Fifth level</a:t>
-            </a:r>
-            <a:endParaRPr lang="en-US" dirty="0"/>
-          </a:p>
-        </p:txBody>
-      </p:sp>
-    </p:spTree>
-    <p:extLst>
-      <p:ext uri="{BB962C8B-B14F-4D97-AF65-F5344CB8AC3E}">
-        <p14:creationId xmlns:p14="http://schemas.microsoft.com/office/powerpoint/2010/main" val="3845859015"/>
-      </p:ext>
-    </p:extLst>
-  </p:cSld>
-  <p:clrMapOvr>
-    <a:masterClrMapping/>
-  </p:clrMapOvr>
-  <p:transition>
-    <p:fade/>
-  </p:transition>
-</p:sldLayout>
-</file>
-
-<file path=ppt/slideLayouts/slideLayout28.xml><?xml version="1.0" encoding="utf-8"?>
-<p:sldLayout xmlns:a="http://schemas.openxmlformats.org/drawingml/2006/main" xmlns:r="http://schemas.openxmlformats.org/officeDocument/2006/relationships" xmlns:p="http://schemas.openxmlformats.org/presentationml/2006/main" userDrawn="1">
-  <p:cSld name="Title and Content">
-    <p:spTree>
-      <p:nvGrpSpPr>
-        <p:cNvPr id="1" name=""/>
-        <p:cNvGrpSpPr/>
-        <p:nvPr/>
-      </p:nvGrpSpPr>
-      <p:grpSpPr>
-        <a:xfrm>
-          <a:off x="0" y="0"/>
-          <a:ext cx="0" cy="0"/>
-          <a:chOff x="0" y="0"/>
-          <a:chExt cx="0" cy="0"/>
-        </a:xfrm>
-      </p:grpSpPr>
-      <p:sp>
-        <p:nvSpPr>
-          <p:cNvPr id="4" name="Text Placeholder 3"/>
-          <p:cNvSpPr>
-            <a:spLocks noGrp="1"/>
-          </p:cNvSpPr>
-          <p:nvPr>
-            <p:ph type="body" sz="quarter" idx="10"/>
-          </p:nvPr>
-        </p:nvSpPr>
-        <p:spPr>
-          <a:xfrm>
-            <a:off x="274638" y="1212850"/>
-            <a:ext cx="11887200" cy="2240229"/>
-          </a:xfrm>
-        </p:spPr>
-        <p:txBody>
-          <a:bodyPr>
-            <a:spAutoFit/>
-          </a:bodyPr>
-          <a:lstStyle>
-            <a:lvl3pPr>
-              <a:defRPr sz="2399"/>
-            </a:lvl3pPr>
-            <a:lvl4pPr>
-              <a:defRPr sz="1999"/>
-            </a:lvl4pPr>
-            <a:lvl5pPr>
-              <a:defRPr sz="1999"/>
-            </a:lvl5pPr>
-          </a:lstStyle>
-          <a:p>
-            <a:pPr lvl="0"/>
-            <a:r>
-              <a:rPr lang="en-US"/>
-              <a:t>Edit Master text styles</a:t>
-            </a:r>
-          </a:p>
-          <a:p>
-            <a:pPr lvl="1"/>
-            <a:r>
-              <a:rPr lang="en-US"/>
-              <a:t>Second level</a:t>
-            </a:r>
-          </a:p>
-          <a:p>
-            <a:pPr lvl="2"/>
-            <a:r>
-              <a:rPr lang="en-US"/>
-              <a:t>Third level</a:t>
-            </a:r>
-          </a:p>
-          <a:p>
-            <a:pPr lvl="3"/>
-            <a:r>
-              <a:rPr lang="en-US"/>
-              <a:t>Fourth level</a:t>
-            </a:r>
-          </a:p>
-          <a:p>
-            <a:pPr lvl="4"/>
-            <a:r>
-              <a:rPr lang="en-US"/>
-              <a:t>Fifth level</a:t>
-            </a:r>
-            <a:endParaRPr lang="en-US" dirty="0"/>
-          </a:p>
-        </p:txBody>
-      </p:sp>
-      <p:sp>
-        <p:nvSpPr>
-          <p:cNvPr id="6" name="Title 5"/>
-          <p:cNvSpPr>
-            <a:spLocks noGrp="1"/>
-          </p:cNvSpPr>
-          <p:nvPr>
-            <p:ph type="title"/>
-          </p:nvPr>
-        </p:nvSpPr>
-        <p:spPr/>
-        <p:txBody>
-          <a:bodyPr/>
-          <a:lstStyle/>
-          <a:p>
-            <a:r>
-              <a:rPr lang="en-US"/>
-              <a:t>Click to edit Master title style</a:t>
-            </a:r>
-          </a:p>
-        </p:txBody>
-      </p:sp>
-    </p:spTree>
-    <p:extLst>
-      <p:ext uri="{BB962C8B-B14F-4D97-AF65-F5344CB8AC3E}">
-        <p14:creationId xmlns:p14="http://schemas.microsoft.com/office/powerpoint/2010/main" val="3733558018"/>
-      </p:ext>
-    </p:extLst>
-  </p:cSld>
-  <p:clrMapOvr>
-    <a:masterClrMapping/>
-  </p:clrMapOvr>
-  <p:transition>
-    <p:fade/>
-  </p:transition>
-</p:sldLayout>
-</file>
-
-<file path=ppt/slideLayouts/slideLayout29.xml><?xml version="1.0" encoding="utf-8"?>
-<p:sldLayout xmlns:a="http://schemas.openxmlformats.org/drawingml/2006/main" xmlns:r="http://schemas.openxmlformats.org/officeDocument/2006/relationships" xmlns:p="http://schemas.openxmlformats.org/presentationml/2006/main" preserve="1" userDrawn="1">
-  <p:cSld name="1_Developer Code Layout">
-    <p:spTree>
-      <p:nvGrpSpPr>
-        <p:cNvPr id="1" name=""/>
-        <p:cNvGrpSpPr/>
-        <p:nvPr/>
-      </p:nvGrpSpPr>
-      <p:grpSpPr>
-        <a:xfrm>
-          <a:off x="0" y="0"/>
-          <a:ext cx="0" cy="0"/>
-          <a:chOff x="0" y="0"/>
-          <a:chExt cx="0" cy="0"/>
-        </a:xfrm>
-      </p:grpSpPr>
-      <p:sp>
-        <p:nvSpPr>
-          <p:cNvPr id="2" name="Title 1"/>
-          <p:cNvSpPr>
-            <a:spLocks noGrp="1"/>
-          </p:cNvSpPr>
-          <p:nvPr>
-            <p:ph type="title" hasCustomPrompt="1"/>
-          </p:nvPr>
-        </p:nvSpPr>
-        <p:spPr>
-          <a:xfrm>
-            <a:off x="464400" y="633600"/>
-            <a:ext cx="11575200" cy="410369"/>
-          </a:xfrm>
-        </p:spPr>
-        <p:txBody>
-          <a:bodyPr vert="horz" wrap="square" lIns="0" tIns="0" rIns="0" bIns="0" rtlCol="0" anchor="t">
-            <a:spAutoFit/>
-          </a:bodyPr>
-          <a:lstStyle>
-            <a:lvl1pPr>
-              <a:defRPr lang="en-US" sz="2800" dirty="0">
-                <a:solidFill>
-                  <a:srgbClr val="2F2F2F"/>
-                </a:solidFill>
-              </a:defRPr>
-            </a:lvl1pPr>
-          </a:lstStyle>
-          <a:p>
-            <a:pPr lvl="0">
-              <a:lnSpc>
-                <a:spcPts val="3200"/>
-              </a:lnSpc>
-            </a:pPr>
-            <a:r>
-              <a:rPr lang="en-US" dirty="0"/>
-              <a:t>Slide for Developer Code</a:t>
-            </a:r>
-          </a:p>
-        </p:txBody>
-      </p:sp>
-      <p:sp>
-        <p:nvSpPr>
-          <p:cNvPr id="3" name="Rectangle 2"/>
-          <p:cNvSpPr/>
-          <p:nvPr userDrawn="1"/>
-        </p:nvSpPr>
-        <p:spPr bwMode="hidden">
-          <a:xfrm>
-            <a:off x="1" y="1178952"/>
-            <a:ext cx="12436475" cy="5815573"/>
-          </a:xfrm>
-          <a:prstGeom prst="rect">
-            <a:avLst/>
-          </a:prstGeom>
-          <a:solidFill>
-            <a:srgbClr val="FFFFFF"/>
-          </a:solidFill>
-          <a:ln>
-            <a:noFill/>
-            <a:headEnd type="none" w="med" len="med"/>
-            <a:tailEnd type="none" w="med" len="med"/>
-          </a:ln>
-          <a:effectLst/>
-        </p:spPr>
-        <p:style>
-          <a:lnRef idx="1">
-            <a:schemeClr val="accent2"/>
-          </a:lnRef>
-          <a:fillRef idx="3">
-            <a:schemeClr val="accent2"/>
-          </a:fillRef>
-          <a:effectRef idx="2">
-            <a:schemeClr val="accent2"/>
-          </a:effectRef>
-          <a:fontRef idx="minor">
-            <a:schemeClr val="lt1"/>
-          </a:fontRef>
-        </p:style>
-        <p:txBody>
-          <a:bodyPr rot="0" spcFirstLastPara="0" vertOverflow="overflow" horzOverflow="overflow" vert="horz" wrap="square" lIns="46630" tIns="46630" rIns="46630" bIns="46630" numCol="1" spcCol="0" rtlCol="0" fromWordArt="0" anchor="ctr" anchorCtr="0" forceAA="0" compatLnSpc="1">
-            <a:prstTxWarp prst="textNoShape">
-              <a:avLst/>
-            </a:prstTxWarp>
-            <a:noAutofit/>
-          </a:bodyPr>
-          <a:lstStyle/>
-          <a:p>
-            <a:pPr algn="ctr" defTabSz="932290" fontAlgn="base">
-              <a:spcBef>
-                <a:spcPct val="0"/>
-              </a:spcBef>
-              <a:spcAft>
-                <a:spcPct val="0"/>
-              </a:spcAft>
-            </a:pPr>
-            <a:endParaRPr lang="en-US" sz="1836" dirty="0" err="1">
-              <a:gradFill>
-                <a:gsLst>
-                  <a:gs pos="0">
-                    <a:srgbClr val="FFFFFF"/>
-                  </a:gs>
-                  <a:gs pos="100000">
-                    <a:srgbClr val="FFFFFF"/>
-                  </a:gs>
-                </a:gsLst>
-                <a:lin ang="5400000" scaled="0"/>
-              </a:gradFill>
-              <a:ea typeface="Segoe UI" pitchFamily="34" charset="0"/>
-              <a:cs typeface="Segoe UI" pitchFamily="34" charset="0"/>
-            </a:endParaRPr>
-          </a:p>
-        </p:txBody>
-      </p:sp>
-      <p:sp>
-        <p:nvSpPr>
-          <p:cNvPr id="5" name="Text Placeholder 4"/>
-          <p:cNvSpPr>
-            <a:spLocks noGrp="1"/>
-          </p:cNvSpPr>
-          <p:nvPr>
-            <p:ph type="body" sz="quarter" idx="10"/>
-          </p:nvPr>
-        </p:nvSpPr>
-        <p:spPr>
-          <a:xfrm>
-            <a:off x="464400" y="1178952"/>
-            <a:ext cx="11575200" cy="2658444"/>
-          </a:xfrm>
-        </p:spPr>
-        <p:txBody>
-          <a:bodyPr/>
-          <a:lstStyle>
-            <a:lvl1pPr marL="0" indent="0">
-              <a:lnSpc>
-                <a:spcPct val="95000"/>
-              </a:lnSpc>
-              <a:buNone/>
-              <a:defRPr sz="3264">
-                <a:gradFill>
-                  <a:gsLst>
-                    <a:gs pos="1250">
-                      <a:srgbClr val="000000"/>
-                    </a:gs>
-                    <a:gs pos="100000">
-                      <a:srgbClr val="000000"/>
-                    </a:gs>
-                  </a:gsLst>
-                  <a:lin ang="5400000" scaled="0"/>
-                </a:gradFill>
-                <a:latin typeface="Consolas" pitchFamily="49" charset="0"/>
-                <a:cs typeface="Consolas" pitchFamily="49" charset="0"/>
-              </a:defRPr>
-            </a:lvl1pPr>
-            <a:lvl2pPr marL="346486" indent="0">
-              <a:lnSpc>
-                <a:spcPct val="95000"/>
-              </a:lnSpc>
-              <a:buNone/>
-              <a:defRPr>
-                <a:gradFill>
-                  <a:gsLst>
-                    <a:gs pos="1250">
-                      <a:srgbClr val="000000"/>
-                    </a:gs>
-                    <a:gs pos="100000">
-                      <a:srgbClr val="000000"/>
-                    </a:gs>
-                  </a:gsLst>
-                  <a:lin ang="5400000" scaled="0"/>
-                </a:gradFill>
-                <a:latin typeface="Consolas" pitchFamily="49" charset="0"/>
-                <a:cs typeface="Consolas" pitchFamily="49" charset="0"/>
-              </a:defRPr>
-            </a:lvl2pPr>
-            <a:lvl3pPr marL="584492" indent="0">
-              <a:lnSpc>
-                <a:spcPct val="95000"/>
-              </a:lnSpc>
-              <a:buNone/>
-              <a:defRPr>
-                <a:gradFill>
-                  <a:gsLst>
-                    <a:gs pos="1250">
-                      <a:srgbClr val="000000"/>
-                    </a:gs>
-                    <a:gs pos="100000">
-                      <a:srgbClr val="000000"/>
-                    </a:gs>
-                  </a:gsLst>
-                  <a:lin ang="5400000" scaled="0"/>
-                </a:gradFill>
-                <a:latin typeface="Consolas" pitchFamily="49" charset="0"/>
-                <a:cs typeface="Consolas" pitchFamily="49" charset="0"/>
-              </a:defRPr>
-            </a:lvl3pPr>
-            <a:lvl4pPr marL="814403" indent="0">
-              <a:lnSpc>
-                <a:spcPct val="95000"/>
-              </a:lnSpc>
-              <a:buNone/>
-              <a:defRPr>
-                <a:gradFill>
-                  <a:gsLst>
-                    <a:gs pos="1250">
-                      <a:srgbClr val="000000"/>
-                    </a:gs>
-                    <a:gs pos="100000">
-                      <a:srgbClr val="000000"/>
-                    </a:gs>
-                  </a:gsLst>
-                  <a:lin ang="5400000" scaled="0"/>
-                </a:gradFill>
-                <a:latin typeface="Consolas" pitchFamily="49" charset="0"/>
-                <a:cs typeface="Consolas" pitchFamily="49" charset="0"/>
-              </a:defRPr>
-            </a:lvl4pPr>
-            <a:lvl5pPr marL="1050791" indent="0">
-              <a:lnSpc>
-                <a:spcPct val="95000"/>
-              </a:lnSpc>
-              <a:buNone/>
-              <a:defRPr>
-                <a:gradFill>
-                  <a:gsLst>
-                    <a:gs pos="1250">
-                      <a:srgbClr val="000000"/>
-                    </a:gs>
-                    <a:gs pos="100000">
-                      <a:srgbClr val="000000"/>
-                    </a:gs>
-                  </a:gsLst>
-                  <a:lin ang="5400000" scaled="0"/>
-                </a:gradFill>
-                <a:latin typeface="Consolas" pitchFamily="49" charset="0"/>
-                <a:cs typeface="Consolas" pitchFamily="49" charset="0"/>
-              </a:defRPr>
-            </a:lvl5pPr>
-          </a:lstStyle>
-          <a:p>
-            <a:pPr lvl="0"/>
-            <a:r>
-              <a:rPr lang="en-US" dirty="0"/>
-              <a:t>Click to edit Master text styles</a:t>
-            </a:r>
-          </a:p>
-          <a:p>
-            <a:pPr lvl="1"/>
-            <a:r>
-              <a:rPr lang="en-US" dirty="0"/>
-              <a:t>Second level</a:t>
-            </a:r>
-          </a:p>
-          <a:p>
-            <a:pPr lvl="2"/>
-            <a:r>
-              <a:rPr lang="en-US" dirty="0"/>
-              <a:t>Third level</a:t>
-            </a:r>
-          </a:p>
-          <a:p>
-            <a:pPr lvl="3"/>
-            <a:r>
-              <a:rPr lang="en-US" dirty="0"/>
-              <a:t>Fourth level</a:t>
-            </a:r>
-          </a:p>
-          <a:p>
-            <a:pPr lvl="4"/>
-            <a:r>
-              <a:rPr lang="en-US" dirty="0"/>
-              <a:t>Fifth level</a:t>
-            </a:r>
-          </a:p>
-        </p:txBody>
-      </p:sp>
-    </p:spTree>
-    <p:extLst>
-      <p:ext uri="{BB962C8B-B14F-4D97-AF65-F5344CB8AC3E}">
-        <p14:creationId xmlns:p14="http://schemas.microsoft.com/office/powerpoint/2010/main" val="3117410443"/>
+        <p14:creationId xmlns:p14="http://schemas.microsoft.com/office/powerpoint/2010/main" val="2598206066"/>
       </p:ext>
     </p:extLst>
   </p:cSld>
@@ -8055,312 +7767,6 @@
 </p:sldLayout>
 </file>
 
-<file path=ppt/slideLayouts/slideLayout30.xml><?xml version="1.0" encoding="utf-8"?>
-<p:sldLayout xmlns:a="http://schemas.openxmlformats.org/drawingml/2006/main" xmlns:r="http://schemas.openxmlformats.org/officeDocument/2006/relationships" xmlns:p="http://schemas.openxmlformats.org/presentationml/2006/main" preserve="1" userDrawn="1">
-  <p:cSld name="1_Title &amp; 2-color Non-bulleted text">
-    <p:spTree>
-      <p:nvGrpSpPr>
-        <p:cNvPr id="1" name=""/>
-        <p:cNvGrpSpPr/>
-        <p:nvPr/>
-      </p:nvGrpSpPr>
-      <p:grpSpPr>
-        <a:xfrm>
-          <a:off x="0" y="0"/>
-          <a:ext cx="0" cy="0"/>
-          <a:chOff x="0" y="0"/>
-          <a:chExt cx="0" cy="0"/>
-        </a:xfrm>
-      </p:grpSpPr>
-      <p:sp>
-        <p:nvSpPr>
-          <p:cNvPr id="2" name="Title 1"/>
-          <p:cNvSpPr>
-            <a:spLocks noGrp="1"/>
-          </p:cNvSpPr>
-          <p:nvPr>
-            <p:ph type="title"/>
-          </p:nvPr>
-        </p:nvSpPr>
-        <p:spPr>
-          <a:xfrm>
-            <a:off x="464400" y="633600"/>
-            <a:ext cx="11574000" cy="410369"/>
-          </a:xfrm>
-        </p:spPr>
-        <p:txBody>
-          <a:bodyPr vert="horz" wrap="square" lIns="0" tIns="0" rIns="0" bIns="0" rtlCol="0" anchor="t">
-            <a:spAutoFit/>
-          </a:bodyPr>
-          <a:lstStyle>
-            <a:lvl1pPr>
-              <a:defRPr lang="en-US" sz="2800" dirty="0">
-                <a:solidFill>
-                  <a:srgbClr val="2F2F2F"/>
-                </a:solidFill>
-              </a:defRPr>
-            </a:lvl1pPr>
-          </a:lstStyle>
-          <a:p>
-            <a:pPr lvl="0">
-              <a:lnSpc>
-                <a:spcPts val="3200"/>
-              </a:lnSpc>
-            </a:pPr>
-            <a:r>
-              <a:rPr lang="en-US" dirty="0"/>
-              <a:t>Click to edit Master title style</a:t>
-            </a:r>
-          </a:p>
-        </p:txBody>
-      </p:sp>
-      <p:sp>
-        <p:nvSpPr>
-          <p:cNvPr id="6" name="Text Placeholder 5"/>
-          <p:cNvSpPr>
-            <a:spLocks noGrp="1"/>
-          </p:cNvSpPr>
-          <p:nvPr>
-            <p:ph type="body" sz="quarter" idx="10"/>
-          </p:nvPr>
-        </p:nvSpPr>
-        <p:spPr>
-          <a:xfrm>
-            <a:off x="464400" y="1212850"/>
-            <a:ext cx="11574000" cy="1346522"/>
-          </a:xfrm>
-        </p:spPr>
-        <p:txBody>
-          <a:bodyPr/>
-          <a:lstStyle>
-            <a:lvl1pPr marL="0" indent="0">
-              <a:buNone/>
-              <a:defRPr sz="2400">
-                <a:solidFill>
-                  <a:schemeClr val="tx2"/>
-                </a:solidFill>
-              </a:defRPr>
-            </a:lvl1pPr>
-            <a:lvl2pPr marL="0" indent="0">
-              <a:buFontTx/>
-              <a:buNone/>
-              <a:defRPr sz="1400"/>
-            </a:lvl2pPr>
-            <a:lvl3pPr marL="228600" indent="0">
-              <a:buNone/>
-              <a:defRPr sz="1200"/>
-            </a:lvl3pPr>
-            <a:lvl4pPr marL="457200" indent="0">
-              <a:buNone/>
-              <a:defRPr sz="1100"/>
-            </a:lvl4pPr>
-            <a:lvl5pPr marL="685800" indent="0">
-              <a:buNone/>
-              <a:defRPr sz="1050"/>
-            </a:lvl5pPr>
-          </a:lstStyle>
-          <a:p>
-            <a:pPr lvl="0"/>
-            <a:r>
-              <a:rPr lang="en-US" dirty="0"/>
-              <a:t>Edit Master text styles</a:t>
-            </a:r>
-          </a:p>
-          <a:p>
-            <a:pPr lvl="1"/>
-            <a:r>
-              <a:rPr lang="en-US" dirty="0"/>
-              <a:t>Second level</a:t>
-            </a:r>
-          </a:p>
-          <a:p>
-            <a:pPr lvl="2"/>
-            <a:r>
-              <a:rPr lang="en-US" dirty="0"/>
-              <a:t>Third level</a:t>
-            </a:r>
-          </a:p>
-          <a:p>
-            <a:pPr lvl="3"/>
-            <a:r>
-              <a:rPr lang="en-US" dirty="0"/>
-              <a:t>Fourth level</a:t>
-            </a:r>
-          </a:p>
-          <a:p>
-            <a:pPr lvl="4"/>
-            <a:r>
-              <a:rPr lang="en-US" dirty="0"/>
-              <a:t>Fifth level</a:t>
-            </a:r>
-          </a:p>
-        </p:txBody>
-      </p:sp>
-    </p:spTree>
-    <p:extLst>
-      <p:ext uri="{BB962C8B-B14F-4D97-AF65-F5344CB8AC3E}">
-        <p14:creationId xmlns:p14="http://schemas.microsoft.com/office/powerpoint/2010/main" val="449413940"/>
-      </p:ext>
-    </p:extLst>
-  </p:cSld>
-  <p:clrMapOvr>
-    <a:masterClrMapping/>
-  </p:clrMapOvr>
-  <p:transition>
-    <p:fade/>
-  </p:transition>
-</p:sldLayout>
-</file>
-
-<file path=ppt/slideLayouts/slideLayout31.xml><?xml version="1.0" encoding="utf-8"?>
-<p:sldLayout xmlns:a="http://schemas.openxmlformats.org/drawingml/2006/main" xmlns:r="http://schemas.openxmlformats.org/officeDocument/2006/relationships" xmlns:p="http://schemas.openxmlformats.org/presentationml/2006/main" preserve="1" userDrawn="1">
-  <p:cSld name="1_Title and Content">
-    <p:spTree>
-      <p:nvGrpSpPr>
-        <p:cNvPr id="1" name=""/>
-        <p:cNvGrpSpPr/>
-        <p:nvPr/>
-      </p:nvGrpSpPr>
-      <p:grpSpPr>
-        <a:xfrm>
-          <a:off x="0" y="0"/>
-          <a:ext cx="0" cy="0"/>
-          <a:chOff x="0" y="0"/>
-          <a:chExt cx="0" cy="0"/>
-        </a:xfrm>
-      </p:grpSpPr>
-      <p:sp>
-        <p:nvSpPr>
-          <p:cNvPr id="4" name="Text Placeholder 3"/>
-          <p:cNvSpPr>
-            <a:spLocks noGrp="1"/>
-          </p:cNvSpPr>
-          <p:nvPr>
-            <p:ph type="body" sz="quarter" idx="10"/>
-          </p:nvPr>
-        </p:nvSpPr>
-        <p:spPr>
-          <a:xfrm>
-            <a:off x="464400" y="1212850"/>
-            <a:ext cx="11574000" cy="1566583"/>
-          </a:xfrm>
-        </p:spPr>
-        <p:txBody>
-          <a:bodyPr>
-            <a:spAutoFit/>
-          </a:bodyPr>
-          <a:lstStyle>
-            <a:lvl1pPr>
-              <a:defRPr sz="2400"/>
-            </a:lvl1pPr>
-            <a:lvl2pPr>
-              <a:defRPr sz="1800"/>
-            </a:lvl2pPr>
-            <a:lvl3pPr>
-              <a:defRPr sz="1600"/>
-            </a:lvl3pPr>
-            <a:lvl4pPr>
-              <a:defRPr sz="1400"/>
-            </a:lvl4pPr>
-            <a:lvl5pPr>
-              <a:defRPr sz="1400"/>
-            </a:lvl5pPr>
-          </a:lstStyle>
-          <a:p>
-            <a:pPr lvl="0"/>
-            <a:r>
-              <a:rPr lang="en-US" dirty="0"/>
-              <a:t>Edit Master text styles</a:t>
-            </a:r>
-          </a:p>
-          <a:p>
-            <a:pPr lvl="1"/>
-            <a:r>
-              <a:rPr lang="en-US" dirty="0"/>
-              <a:t>Second level</a:t>
-            </a:r>
-          </a:p>
-          <a:p>
-            <a:pPr lvl="2"/>
-            <a:r>
-              <a:rPr lang="en-US" dirty="0"/>
-              <a:t>Third level</a:t>
-            </a:r>
-          </a:p>
-          <a:p>
-            <a:pPr lvl="3"/>
-            <a:r>
-              <a:rPr lang="en-US" dirty="0"/>
-              <a:t>Fourth level</a:t>
-            </a:r>
-          </a:p>
-          <a:p>
-            <a:pPr lvl="4"/>
-            <a:r>
-              <a:rPr lang="en-US" dirty="0"/>
-              <a:t>Fifth level</a:t>
-            </a:r>
-          </a:p>
-        </p:txBody>
-      </p:sp>
-      <p:sp>
-        <p:nvSpPr>
-          <p:cNvPr id="6" name="Title 5"/>
-          <p:cNvSpPr>
-            <a:spLocks noGrp="1"/>
-          </p:cNvSpPr>
-          <p:nvPr>
-            <p:ph type="title"/>
-          </p:nvPr>
-        </p:nvSpPr>
-        <p:spPr>
-          <a:xfrm>
-            <a:off x="464400" y="633600"/>
-            <a:ext cx="11574000" cy="410369"/>
-          </a:xfrm>
-        </p:spPr>
-        <p:txBody>
-          <a:bodyPr vert="horz" wrap="square" lIns="0" tIns="0" rIns="0" bIns="0" rtlCol="0" anchor="t">
-            <a:spAutoFit/>
-          </a:bodyPr>
-          <a:lstStyle>
-            <a:lvl1pPr>
-              <a:defRPr lang="en-US" sz="2800">
-                <a:solidFill>
-                  <a:srgbClr val="2F2F2F"/>
-                </a:solidFill>
-              </a:defRPr>
-            </a:lvl1pPr>
-          </a:lstStyle>
-          <a:p>
-            <a:pPr lvl="0">
-              <a:lnSpc>
-                <a:spcPts val="3200"/>
-              </a:lnSpc>
-            </a:pPr>
-            <a:r>
-              <a:rPr lang="en-US" dirty="0"/>
-              <a:t>Click to edit Master title style</a:t>
-            </a:r>
-          </a:p>
-        </p:txBody>
-      </p:sp>
-    </p:spTree>
-    <p:extLst>
-      <p:ext uri="{BB962C8B-B14F-4D97-AF65-F5344CB8AC3E}">
-        <p14:creationId xmlns:p14="http://schemas.microsoft.com/office/powerpoint/2010/main" val="3869438213"/>
-      </p:ext>
-    </p:extLst>
-  </p:cSld>
-  <p:clrMapOvr>
-    <a:masterClrMapping/>
-  </p:clrMapOvr>
-  <p:transition>
-    <p:fade/>
-  </p:transition>
-</p:sldLayout>
-</file>
-
 <file path=ppt/slideLayouts/slideLayout4.xml><?xml version="1.0" encoding="utf-8"?>
 <p:sldLayout xmlns:a="http://schemas.openxmlformats.org/drawingml/2006/main" xmlns:r="http://schemas.openxmlformats.org/officeDocument/2006/relationships" xmlns:p="http://schemas.openxmlformats.org/presentationml/2006/main" preserve="1" userDrawn="1">
   <p:cSld name="Table of Contents">
@@ -14940,7 +14346,7 @@
           <p:nvPr userDrawn="1"/>
         </p:nvPicPr>
         <p:blipFill>
-          <a:blip r:embed="rId33" cstate="screen">
+          <a:blip r:embed="rId30" cstate="screen">
             <a:extLst>
               <a:ext uri="{28A0092B-C50C-407E-A947-70E740481C1C}">
                 <a14:useLocalDpi xmlns:a14="http://schemas.microsoft.com/office/drawing/2010/main"/>
@@ -14995,12 +14401,9 @@
     <p:sldLayoutId id="2147484545" r:id="rId23"/>
     <p:sldLayoutId id="2147484546" r:id="rId24"/>
     <p:sldLayoutId id="2147484299" r:id="rId25"/>
-    <p:sldLayoutId id="2147484552" r:id="rId26"/>
-    <p:sldLayoutId id="2147484556" r:id="rId27"/>
-    <p:sldLayoutId id="2147484558" r:id="rId28"/>
-    <p:sldLayoutId id="2147484559" r:id="rId29"/>
-    <p:sldLayoutId id="2147484560" r:id="rId30"/>
-    <p:sldLayoutId id="2147484561" r:id="rId31"/>
+    <p:sldLayoutId id="2147484556" r:id="rId26"/>
+    <p:sldLayoutId id="2147484559" r:id="rId27"/>
+    <p:sldLayoutId id="2147484560" r:id="rId28"/>
   </p:sldLayoutIdLst>
   <p:transition>
     <p:fade/>
@@ -15549,7 +14952,7 @@
     </p:spTree>
     <p:extLst>
       <p:ext uri="{BB962C8B-B14F-4D97-AF65-F5344CB8AC3E}">
-        <p14:creationId xmlns:p14="http://schemas.microsoft.com/office/powerpoint/2010/main" val="699719167"/>
+        <p14:creationId xmlns:p14="http://schemas.microsoft.com/office/powerpoint/2010/main" val="2208355487"/>
       </p:ext>
     </p:extLst>
   </p:cSld>
@@ -15591,7 +14994,7 @@
     </p:spTree>
     <p:extLst>
       <p:ext uri="{BB962C8B-B14F-4D97-AF65-F5344CB8AC3E}">
-        <p14:creationId xmlns:p14="http://schemas.microsoft.com/office/powerpoint/2010/main" val="3660847957"/>
+        <p14:creationId xmlns:p14="http://schemas.microsoft.com/office/powerpoint/2010/main" val="3237358263"/>
       </p:ext>
     </p:extLst>
   </p:cSld>
@@ -15849,7 +15252,7 @@
     </p:spTree>
     <p:extLst>
       <p:ext uri="{BB962C8B-B14F-4D97-AF65-F5344CB8AC3E}">
-        <p14:creationId xmlns:p14="http://schemas.microsoft.com/office/powerpoint/2010/main" val="60090990"/>
+        <p14:creationId xmlns:p14="http://schemas.microsoft.com/office/powerpoint/2010/main" val="2280494605"/>
       </p:ext>
     </p:extLst>
   </p:cSld>
@@ -15904,118 +15307,94 @@
           <a:lstStyle/>
           <a:p>
             <a:r>
-              <a:rPr lang="en-US" sz="2800" dirty="0"/>
+              <a:rPr lang="en-US" dirty="0"/>
               <a:t>Common requirement in </a:t>
             </a:r>
             <a:r>
-              <a:rPr lang="en-US" sz="2800" dirty="0" err="1"/>
+              <a:rPr lang="en-US" dirty="0" err="1"/>
               <a:t>SPFx</a:t>
             </a:r>
             <a:r>
-              <a:rPr lang="en-US" sz="2800" dirty="0"/>
+              <a:rPr lang="en-US" dirty="0"/>
               <a:t> project is to display or interact with data external to the web part</a:t>
             </a:r>
           </a:p>
           <a:p>
             <a:pPr lvl="1"/>
             <a:r>
-              <a:rPr lang="en-US" sz="2000" dirty="0"/>
+              <a:rPr lang="en-US" dirty="0"/>
               <a:t>Data in SharePoint lists &amp; libraries</a:t>
             </a:r>
           </a:p>
           <a:p>
             <a:pPr lvl="1"/>
             <a:r>
-              <a:rPr lang="en-US" sz="2000" dirty="0"/>
+              <a:rPr lang="en-US" dirty="0"/>
               <a:t>Data accessible via Microsoft Graph REST API</a:t>
             </a:r>
           </a:p>
           <a:p>
             <a:pPr lvl="1"/>
             <a:r>
-              <a:rPr lang="en-US" sz="2000" dirty="0"/>
-              <a:t>Data accessible in external 3</a:t>
-            </a:r>
-            <a:r>
-              <a:rPr lang="en-US" sz="2000" baseline="30000" dirty="0"/>
-              <a:t>rd</a:t>
-            </a:r>
-            <a:r>
-              <a:rPr lang="en-US" sz="2000" dirty="0"/>
-              <a:t> Party APIs – anonymous &amp; secured</a:t>
-            </a:r>
-          </a:p>
-          <a:p>
-            <a:endParaRPr lang="en-US" sz="2800" dirty="0"/>
-          </a:p>
-          <a:p>
-            <a:r>
-              <a:rPr lang="en-US" sz="2800" dirty="0"/>
+              <a:rPr lang="en-US" dirty="0"/>
+              <a:t>Data accessible in external 3rd Party APIs – anonymous &amp; secured</a:t>
+            </a:r>
+          </a:p>
+          <a:p>
+            <a:endParaRPr lang="en-US" dirty="0"/>
+          </a:p>
+          <a:p>
+            <a:r>
+              <a:rPr lang="en-US" dirty="0"/>
               <a:t>SharePoint Framework provides APIs for all situations when you need to work with data sources external to the web part</a:t>
             </a:r>
           </a:p>
           <a:p>
             <a:pPr lvl="1"/>
             <a:r>
-              <a:rPr lang="en-US" sz="2000" b="1" dirty="0" err="1"/>
+              <a:rPr lang="en-US" dirty="0" err="1"/>
               <a:t>HttpClient</a:t>
             </a:r>
             <a:r>
-              <a:rPr lang="en-US" sz="2000" dirty="0"/>
-              <a:t>: for calling 3</a:t>
-            </a:r>
-            <a:r>
-              <a:rPr lang="en-US" sz="2000" baseline="30000" dirty="0"/>
-              <a:t>rd</a:t>
-            </a:r>
-            <a:r>
-              <a:rPr lang="en-US" sz="2000" dirty="0"/>
-              <a:t> party REST APIs</a:t>
+              <a:rPr lang="en-US" dirty="0"/>
+              <a:t>: for calling 3rd party REST APIs</a:t>
             </a:r>
           </a:p>
           <a:p>
             <a:pPr lvl="1"/>
             <a:r>
-              <a:rPr lang="en-US" sz="2000" b="1" dirty="0" err="1"/>
+              <a:rPr lang="en-US" dirty="0" err="1"/>
               <a:t>MSGraphClient</a:t>
             </a:r>
             <a:r>
-              <a:rPr lang="en-US" sz="2000" dirty="0"/>
+              <a:rPr lang="en-US" dirty="0"/>
               <a:t>: for calling the Microsoft Graph in the same tenant as the </a:t>
             </a:r>
             <a:br>
-              <a:rPr lang="en-US" sz="2000" dirty="0"/>
+              <a:rPr lang="en-US" dirty="0"/>
             </a:br>
             <a:r>
-              <a:rPr lang="en-US" sz="2000" dirty="0"/>
+              <a:rPr lang="en-US" dirty="0"/>
               <a:t>SharePoint Online tenant</a:t>
             </a:r>
           </a:p>
           <a:p>
             <a:pPr lvl="1"/>
             <a:r>
-              <a:rPr lang="en-US" sz="2000" b="1" dirty="0" err="1"/>
+              <a:rPr lang="en-US" dirty="0" err="1"/>
               <a:t>AADHttpCLient</a:t>
             </a:r>
             <a:r>
-              <a:rPr lang="en-US" sz="2000" dirty="0"/>
-              <a:t>: for 3</a:t>
-            </a:r>
-            <a:r>
-              <a:rPr lang="en-US" sz="2000" baseline="30000" dirty="0"/>
-              <a:t>rd</a:t>
-            </a:r>
-            <a:r>
-              <a:rPr lang="en-US" sz="2000" dirty="0"/>
-              <a:t> party REST APIs secured with Azure Active Directory</a:t>
-            </a:r>
-          </a:p>
-          <a:p>
-            <a:endParaRPr lang="en-US" sz="2800" dirty="0"/>
-          </a:p>
-          <a:p>
-            <a:r>
-              <a:rPr lang="en-US" sz="2800" dirty="0"/>
+              <a:rPr lang="en-US" dirty="0"/>
+              <a:t>: for 3rd party REST APIs secured with Azure Active Directory</a:t>
+            </a:r>
+          </a:p>
+          <a:p>
+            <a:endParaRPr lang="en-US" dirty="0"/>
+          </a:p>
+          <a:p>
+            <a:r>
+              <a:rPr lang="en-US" dirty="0"/>
               <a:t>Most scenarios require no extra clients / libraries are required</a:t>
             </a:r>
           </a:p>
@@ -16097,127 +15476,124 @@
             <p:ph type="body" sz="quarter" idx="10"/>
           </p:nvPr>
         </p:nvSpPr>
-        <p:spPr/>
+        <p:spPr>
+          <a:xfrm>
+            <a:off x="464400" y="1212850"/>
+            <a:ext cx="11574000" cy="4241161"/>
+          </a:xfrm>
+        </p:spPr>
         <p:txBody>
           <a:bodyPr/>
           <a:lstStyle/>
           <a:p>
             <a:r>
-              <a:rPr lang="en-US" sz="3200" dirty="0"/>
+              <a:rPr lang="en-US" dirty="0"/>
               <a:t>Provided on the current SharePoint Context</a:t>
             </a:r>
           </a:p>
           <a:p>
             <a:pPr lvl="1"/>
             <a:r>
-              <a:rPr lang="en-US" sz="2400" dirty="0" err="1">
+              <a:rPr lang="en-US" dirty="0" err="1">
                 <a:latin typeface="Courier New" panose="02070309020205020404" pitchFamily="49" charset="0"/>
                 <a:cs typeface="Courier New" panose="02070309020205020404" pitchFamily="49" charset="0"/>
               </a:rPr>
               <a:t>this.context.httpClient</a:t>
             </a:r>
-            <a:endParaRPr lang="en-US" sz="2400" dirty="0">
+            <a:endParaRPr lang="en-US" dirty="0">
               <a:latin typeface="Courier New" panose="02070309020205020404" pitchFamily="49" charset="0"/>
               <a:cs typeface="Courier New" panose="02070309020205020404" pitchFamily="49" charset="0"/>
             </a:endParaRPr>
           </a:p>
           <a:p>
             <a:r>
-              <a:rPr lang="en-US" sz="3200" dirty="0"/>
+              <a:rPr lang="en-US" dirty="0"/>
               <a:t>Optimized for REST APIs</a:t>
             </a:r>
           </a:p>
           <a:p>
             <a:r>
-              <a:rPr lang="en-US" sz="3200" dirty="0"/>
-              <a:t>Leverages the F</a:t>
-            </a:r>
-            <a:r>
-              <a:rPr lang="en-US" sz="3200" b="1" dirty="0"/>
-              <a:t>etch API </a:t>
+              <a:rPr lang="en-US" dirty="0"/>
+              <a:t>Leverages the Fetch API </a:t>
             </a:r>
           </a:p>
           <a:p>
             <a:pPr lvl="1"/>
             <a:r>
-              <a:rPr lang="en-US" sz="2400" dirty="0">
+              <a:rPr lang="en-US" dirty="0">
                 <a:hlinkClick r:id="rId2"/>
               </a:rPr>
               <a:t>https://developer.mozilla.org/docs/Web/API/Fetch_API</a:t>
             </a:r>
             <a:r>
-              <a:rPr lang="en-US" sz="2400" dirty="0"/>
+              <a:rPr lang="en-US" dirty="0"/>
               <a:t> </a:t>
             </a:r>
           </a:p>
           <a:p>
             <a:pPr lvl="1"/>
             <a:r>
-              <a:rPr lang="en-US" sz="2400" dirty="0"/>
+              <a:rPr lang="en-US" dirty="0"/>
               <a:t>Fully configurable HTTP headers &amp; payload</a:t>
             </a:r>
           </a:p>
           <a:p>
             <a:pPr lvl="1"/>
             <a:r>
-              <a:rPr lang="en-US" sz="2400" b="1" dirty="0" err="1"/>
+              <a:rPr lang="en-US" dirty="0" err="1"/>
               <a:t>whatwg</a:t>
             </a:r>
             <a:r>
-              <a:rPr lang="en-US" sz="2400" b="1" dirty="0"/>
-              <a:t>-fetch</a:t>
-            </a:r>
-            <a:r>
-              <a:rPr lang="en-US" sz="2400" dirty="0"/>
-              <a:t>: </a:t>
-            </a:r>
-            <a:r>
-              <a:rPr lang="en-US" sz="2400" dirty="0" err="1"/>
+              <a:rPr lang="en-US" dirty="0"/>
+              <a:t>-fetch: </a:t>
+            </a:r>
+            <a:r>
+              <a:rPr lang="en-US" dirty="0" err="1"/>
               <a:t>polyfill</a:t>
             </a:r>
             <a:r>
-              <a:rPr lang="en-US" sz="2400" dirty="0"/>
+              <a:rPr lang="en-US" dirty="0"/>
               <a:t> package for browsers that don’t implement “fetch”</a:t>
             </a:r>
           </a:p>
           <a:p>
             <a:r>
-              <a:rPr lang="en-US" sz="3200" dirty="0"/>
+              <a:rPr lang="en-US" dirty="0"/>
               <a:t>Use this to:</a:t>
             </a:r>
           </a:p>
           <a:p>
             <a:pPr lvl="1"/>
             <a:r>
-              <a:rPr lang="en-US" sz="2400" dirty="0"/>
+              <a:rPr lang="en-US" dirty="0"/>
               <a:t>Call anonymous REST APIs</a:t>
             </a:r>
           </a:p>
           <a:p>
             <a:pPr lvl="1"/>
             <a:r>
-              <a:rPr lang="en-US" sz="2400" dirty="0"/>
+              <a:rPr lang="en-US" dirty="0"/>
               <a:t>Call secured REST APIs</a:t>
             </a:r>
           </a:p>
           <a:p>
             <a:pPr lvl="2"/>
             <a:r>
-              <a:rPr lang="en-US" sz="2000" dirty="0"/>
+              <a:rPr lang="en-US" dirty="0"/>
               <a:t>You provide all logic to obtain and pass authentication details required by service</a:t>
             </a:r>
           </a:p>
           <a:p>
             <a:r>
-              <a:rPr lang="en-US" sz="3200" dirty="0"/>
+              <a:rPr lang="en-US" dirty="0"/>
               <a:t>Base HTTP API in </a:t>
             </a:r>
             <a:r>
-              <a:rPr lang="en-US" sz="3200" dirty="0" err="1"/>
+              <a:rPr lang="en-US" dirty="0" err="1"/>
               <a:t>SPFx</a:t>
             </a:r>
             <a:r>
-              <a:rPr lang="en-US" sz="3200" dirty="0"/>
+              <a:rPr lang="en-US" dirty="0"/>
               <a:t> used by other clients</a:t>
             </a:r>
           </a:p>
@@ -16246,15 +15622,7 @@
           <a:p>
             <a:r>
               <a:rPr lang="en-US" dirty="0"/>
-              <a:t>Calling 3</a:t>
-            </a:r>
-            <a:r>
-              <a:rPr lang="en-US" baseline="30000" dirty="0"/>
-              <a:t>rd</a:t>
-            </a:r>
-            <a:r>
-              <a:rPr lang="en-US" dirty="0"/>
-              <a:t> Party APIs with the </a:t>
+              <a:t>Calling 3rd Party APIs with the </a:t>
             </a:r>
             <a:r>
               <a:rPr lang="en-US" dirty="0" err="1"/>
@@ -17144,7 +16512,7 @@
     </p:spTree>
     <p:extLst>
       <p:ext uri="{BB962C8B-B14F-4D97-AF65-F5344CB8AC3E}">
-        <p14:creationId xmlns:p14="http://schemas.microsoft.com/office/powerpoint/2010/main" val="2509242320"/>
+        <p14:creationId xmlns:p14="http://schemas.microsoft.com/office/powerpoint/2010/main" val="3690505590"/>
       </p:ext>
     </p:extLst>
   </p:cSld>
@@ -17471,7 +16839,7 @@
     </p:spTree>
     <p:extLst>
       <p:ext uri="{BB962C8B-B14F-4D97-AF65-F5344CB8AC3E}">
-        <p14:creationId xmlns:p14="http://schemas.microsoft.com/office/powerpoint/2010/main" val="3724015835"/>
+        <p14:creationId xmlns:p14="http://schemas.microsoft.com/office/powerpoint/2010/main" val="380129070"/>
       </p:ext>
     </p:extLst>
   </p:cSld>

--- a/01 httpclient.pptx
+++ b/01 httpclient.pptx
@@ -262,7 +262,7 @@
               <a:rPr lang="en-US" smtClean="0">
                 <a:latin typeface="Segoe UI" pitchFamily="34" charset="0"/>
               </a:rPr>
-              <a:t>12/20/2018 9:34 PM</a:t>
+              <a:t>1/7/19 3:41 PM</a:t>
             </a:fld>
             <a:endParaRPr lang="en-US" dirty="0">
               <a:latin typeface="Segoe UI" pitchFamily="34" charset="0"/>
@@ -559,7 +559,7 @@
           <a:p>
             <a:fld id="{D18B56EA-E28F-4F92-9F16-7A6F2501B303}" type="datetime8">
               <a:rPr lang="en-US" smtClean="0"/>
-              <a:t>12/20/2018 9:34 PM</a:t>
+              <a:t>1/7/19 3:41 PM</a:t>
             </a:fld>
             <a:endParaRPr lang="en-US" dirty="0"/>
           </a:p>
@@ -942,7 +942,7 @@
           <a:p>
             <a:fld id="{D18B56EA-E28F-4F92-9F16-7A6F2501B303}" type="datetime8">
               <a:rPr lang="en-US" smtClean="0"/>
-              <a:t>12/20/2018 9:34 PM</a:t>
+              <a:t>1/7/19 3:41 PM</a:t>
             </a:fld>
             <a:endParaRPr lang="en-US" dirty="0"/>
           </a:p>
@@ -1123,7 +1123,7 @@
           <a:p>
             <a:fld id="{D18B56EA-E28F-4F92-9F16-7A6F2501B303}" type="datetime8">
               <a:rPr lang="en-US" smtClean="0"/>
-              <a:t>12/20/2018 9:34 PM</a:t>
+              <a:t>1/7/19 3:41 PM</a:t>
             </a:fld>
             <a:endParaRPr lang="en-US" dirty="0"/>
           </a:p>
@@ -1466,7 +1466,7 @@
           <a:p>
             <a:fld id="{D18B56EA-E28F-4F92-9F16-7A6F2501B303}" type="datetime8">
               <a:rPr lang="en-US" smtClean="0"/>
-              <a:t>12/20/2018 9:34 PM</a:t>
+              <a:t>1/7/19 3:41 PM</a:t>
             </a:fld>
             <a:endParaRPr lang="en-US" dirty="0"/>
           </a:p>
@@ -1647,7 +1647,7 @@
           <a:p>
             <a:fld id="{D18B56EA-E28F-4F92-9F16-7A6F2501B303}" type="datetime8">
               <a:rPr lang="en-US" smtClean="0"/>
-              <a:t>12/20/2018 9:34 PM</a:t>
+              <a:t>1/7/19 3:41 PM</a:t>
             </a:fld>
             <a:endParaRPr lang="en-US" dirty="0"/>
           </a:p>
@@ -1828,7 +1828,7 @@
           <a:p>
             <a:fld id="{D18B56EA-E28F-4F92-9F16-7A6F2501B303}" type="datetime8">
               <a:rPr lang="en-US" smtClean="0"/>
-              <a:t>12/20/2018 9:34 PM</a:t>
+              <a:t>1/7/19 3:41 PM</a:t>
             </a:fld>
             <a:endParaRPr lang="en-US" dirty="0"/>
           </a:p>
@@ -2009,7 +2009,7 @@
           <a:p>
             <a:fld id="{D18B56EA-E28F-4F92-9F16-7A6F2501B303}" type="datetime8">
               <a:rPr lang="en-US" smtClean="0"/>
-              <a:t>12/20/2018 9:34 PM</a:t>
+              <a:t>1/7/19 3:41 PM</a:t>
             </a:fld>
             <a:endParaRPr lang="en-US" dirty="0"/>
           </a:p>
@@ -2190,7 +2190,7 @@
           <a:p>
             <a:fld id="{D18B56EA-E28F-4F92-9F16-7A6F2501B303}" type="datetime8">
               <a:rPr lang="en-US" smtClean="0"/>
-              <a:t>12/20/2018 9:34 PM</a:t>
+              <a:t>1/7/19 3:41 PM</a:t>
             </a:fld>
             <a:endParaRPr lang="en-US" dirty="0"/>
           </a:p>
@@ -15301,7 +15301,12 @@
             <p:ph type="body" sz="quarter" idx="10"/>
           </p:nvPr>
         </p:nvSpPr>
-        <p:spPr/>
+        <p:spPr>
+          <a:xfrm>
+            <a:off x="464400" y="1212850"/>
+            <a:ext cx="11574000" cy="4884414"/>
+          </a:xfrm>
+        </p:spPr>
         <p:txBody>
           <a:bodyPr/>
           <a:lstStyle/>
@@ -15352,7 +15357,10 @@
           <a:p>
             <a:pPr lvl="1"/>
             <a:r>
-              <a:rPr lang="en-US" dirty="0" err="1"/>
+              <a:rPr lang="en-US" dirty="0" err="1">
+                <a:latin typeface="Courier New" panose="02070309020205020404" pitchFamily="49" charset="0"/>
+                <a:cs typeface="Courier New" panose="02070309020205020404" pitchFamily="49" charset="0"/>
+              </a:rPr>
               <a:t>HttpClient</a:t>
             </a:r>
             <a:r>
@@ -15363,7 +15371,10 @@
           <a:p>
             <a:pPr lvl="1"/>
             <a:r>
-              <a:rPr lang="en-US" dirty="0" err="1"/>
+              <a:rPr lang="en-US" dirty="0" err="1">
+                <a:latin typeface="Courier New" panose="02070309020205020404" pitchFamily="49" charset="0"/>
+                <a:cs typeface="Courier New" panose="02070309020205020404" pitchFamily="49" charset="0"/>
+              </a:rPr>
               <a:t>MSGraphClient</a:t>
             </a:r>
             <a:r>
@@ -15381,8 +15392,11 @@
           <a:p>
             <a:pPr lvl="1"/>
             <a:r>
-              <a:rPr lang="en-US" dirty="0" err="1"/>
-              <a:t>AADHttpCLient</a:t>
+              <a:rPr lang="en-US" dirty="0" err="1">
+                <a:latin typeface="Courier New" panose="02070309020205020404" pitchFamily="49" charset="0"/>
+                <a:cs typeface="Courier New" panose="02070309020205020404" pitchFamily="49" charset="0"/>
+              </a:rPr>
+              <a:t>AADHttpClient</a:t>
             </a:r>
             <a:r>
               <a:rPr lang="en-US" dirty="0"/>
@@ -15540,12 +15554,16 @@
           <a:p>
             <a:pPr lvl="1"/>
             <a:r>
-              <a:rPr lang="en-US" dirty="0" err="1"/>
+              <a:rPr lang="en-US" b="1" dirty="0" err="1"/>
               <a:t>whatwg</a:t>
             </a:r>
             <a:r>
-              <a:rPr lang="en-US" dirty="0"/>
-              <a:t>-fetch: </a:t>
+              <a:rPr lang="en-US" b="1" dirty="0"/>
+              <a:t>-fetch</a:t>
+            </a:r>
+            <a:r>
+              <a:rPr lang="en-US" dirty="0"/>
+              <a:t>: </a:t>
             </a:r>
             <a:r>
               <a:rPr lang="en-US" dirty="0" err="1"/>

--- a/01 httpclient.pptx
+++ b/01 httpclient.pptx
@@ -262,7 +262,7 @@
               <a:rPr lang="en-US" smtClean="0">
                 <a:latin typeface="Segoe UI" pitchFamily="34" charset="0"/>
               </a:rPr>
-              <a:t>1/7/19 3:41 PM</a:t>
+              <a:t>3/9/2019 6:29 AM</a:t>
             </a:fld>
             <a:endParaRPr lang="en-US" dirty="0">
               <a:latin typeface="Segoe UI" pitchFamily="34" charset="0"/>
@@ -559,7 +559,7 @@
           <a:p>
             <a:fld id="{D18B56EA-E28F-4F92-9F16-7A6F2501B303}" type="datetime8">
               <a:rPr lang="en-US" smtClean="0"/>
-              <a:t>1/7/19 3:41 PM</a:t>
+              <a:t>3/9/2019 6:29 AM</a:t>
             </a:fld>
             <a:endParaRPr lang="en-US" dirty="0"/>
           </a:p>
@@ -942,7 +942,7 @@
           <a:p>
             <a:fld id="{D18B56EA-E28F-4F92-9F16-7A6F2501B303}" type="datetime8">
               <a:rPr lang="en-US" smtClean="0"/>
-              <a:t>1/7/19 3:41 PM</a:t>
+              <a:t>3/9/2019 6:29 AM</a:t>
             </a:fld>
             <a:endParaRPr lang="en-US" dirty="0"/>
           </a:p>
@@ -1123,7 +1123,7 @@
           <a:p>
             <a:fld id="{D18B56EA-E28F-4F92-9F16-7A6F2501B303}" type="datetime8">
               <a:rPr lang="en-US" smtClean="0"/>
-              <a:t>1/7/19 3:41 PM</a:t>
+              <a:t>3/9/2019 6:29 AM</a:t>
             </a:fld>
             <a:endParaRPr lang="en-US" dirty="0"/>
           </a:p>
@@ -1466,7 +1466,7 @@
           <a:p>
             <a:fld id="{D18B56EA-E28F-4F92-9F16-7A6F2501B303}" type="datetime8">
               <a:rPr lang="en-US" smtClean="0"/>
-              <a:t>1/7/19 3:41 PM</a:t>
+              <a:t>3/9/2019 6:29 AM</a:t>
             </a:fld>
             <a:endParaRPr lang="en-US" dirty="0"/>
           </a:p>
@@ -1647,7 +1647,7 @@
           <a:p>
             <a:fld id="{D18B56EA-E28F-4F92-9F16-7A6F2501B303}" type="datetime8">
               <a:rPr lang="en-US" smtClean="0"/>
-              <a:t>1/7/19 3:41 PM</a:t>
+              <a:t>3/9/2019 6:29 AM</a:t>
             </a:fld>
             <a:endParaRPr lang="en-US" dirty="0"/>
           </a:p>
@@ -1828,7 +1828,7 @@
           <a:p>
             <a:fld id="{D18B56EA-E28F-4F92-9F16-7A6F2501B303}" type="datetime8">
               <a:rPr lang="en-US" smtClean="0"/>
-              <a:t>1/7/19 3:41 PM</a:t>
+              <a:t>3/9/2019 6:29 AM</a:t>
             </a:fld>
             <a:endParaRPr lang="en-US" dirty="0"/>
           </a:p>
@@ -2009,7 +2009,7 @@
           <a:p>
             <a:fld id="{D18B56EA-E28F-4F92-9F16-7A6F2501B303}" type="datetime8">
               <a:rPr lang="en-US" smtClean="0"/>
-              <a:t>1/7/19 3:41 PM</a:t>
+              <a:t>3/9/2019 6:29 AM</a:t>
             </a:fld>
             <a:endParaRPr lang="en-US" dirty="0"/>
           </a:p>
@@ -2190,7 +2190,7 @@
           <a:p>
             <a:fld id="{D18B56EA-E28F-4F92-9F16-7A6F2501B303}" type="datetime8">
               <a:rPr lang="en-US" smtClean="0"/>
-              <a:t>1/7/19 3:41 PM</a:t>
+              <a:t>3/9/2019 6:29 AM</a:t>
             </a:fld>
             <a:endParaRPr lang="en-US" dirty="0"/>
           </a:p>
@@ -16707,7 +16707,7 @@
               <a:rPr lang="en-US" sz="1800" dirty="0">
                 <a:latin typeface="+mj-lt"/>
               </a:rPr>
-              <a:t>SharePoint Framework</a:t>
+              <a:t>Overview of the SharePoint Framework</a:t>
             </a:r>
           </a:p>
           <a:p>
@@ -16726,7 +16726,7 @@
                 <a:latin typeface="+mj-lt"/>
                 <a:hlinkClick r:id="rId3"/>
               </a:rPr>
-              <a:t>https://docs.microsoft.com/sharepoint/dev/spfx</a:t>
+              <a:t>https://docs.microsoft.com/sharepoint/dev/spfx/sharepoint-framework-overview</a:t>
             </a:r>
             <a:endParaRPr lang="en-US" sz="1800" dirty="0">
               <a:latin typeface="+mj-lt"/>

--- a/01 httpclient.pptx
+++ b/01 httpclient.pptx
@@ -262,7 +262,7 @@
               <a:rPr lang="en-US" smtClean="0">
                 <a:latin typeface="Segoe UI" pitchFamily="34" charset="0"/>
               </a:rPr>
-              <a:t>3/9/2019 6:29 AM</a:t>
+              <a:t>3/5/20 10:03 AM</a:t>
             </a:fld>
             <a:endParaRPr lang="en-US" dirty="0">
               <a:latin typeface="Segoe UI" pitchFamily="34" charset="0"/>
@@ -559,7 +559,7 @@
           <a:p>
             <a:fld id="{D18B56EA-E28F-4F92-9F16-7A6F2501B303}" type="datetime8">
               <a:rPr lang="en-US" smtClean="0"/>
-              <a:t>3/9/2019 6:29 AM</a:t>
+              <a:t>3/5/20 10:03 AM</a:t>
             </a:fld>
             <a:endParaRPr lang="en-US" dirty="0"/>
           </a:p>
@@ -942,7 +942,7 @@
           <a:p>
             <a:fld id="{D18B56EA-E28F-4F92-9F16-7A6F2501B303}" type="datetime8">
               <a:rPr lang="en-US" smtClean="0"/>
-              <a:t>3/9/2019 6:29 AM</a:t>
+              <a:t>3/5/20 10:03 AM</a:t>
             </a:fld>
             <a:endParaRPr lang="en-US" dirty="0"/>
           </a:p>
@@ -1029,7 +1029,38 @@
           <a:bodyPr/>
           <a:lstStyle/>
           <a:p>
-            <a:endParaRPr lang="en-US"/>
+            <a:pPr marL="0" marR="0" lvl="0" indent="0" algn="l" defTabSz="932742" rtl="0" eaLnBrk="1" fontAlgn="auto" latinLnBrk="0" hangingPunct="1">
+              <a:lnSpc>
+                <a:spcPct val="90000"/>
+              </a:lnSpc>
+              <a:spcBef>
+                <a:spcPts val="0"/>
+              </a:spcBef>
+              <a:spcAft>
+                <a:spcPts val="340"/>
+              </a:spcAft>
+              <a:buClrTx/>
+              <a:buSzTx/>
+              <a:buFontTx/>
+              <a:buNone/>
+              <a:tabLst/>
+              <a:defRPr/>
+            </a:pPr>
+            <a:r>
+              <a:rPr lang="en-US" sz="900" b="0" kern="1200" dirty="0">
+                <a:solidFill>
+                  <a:schemeClr val="tx1"/>
+                </a:solidFill>
+                <a:effectLst/>
+                <a:latin typeface="Segoe UI Light" pitchFamily="34" charset="0"/>
+                <a:ea typeface="+mn-ea"/>
+                <a:cs typeface="+mn-cs"/>
+              </a:rPr>
+              <a:t>In this unit, you'll learn how to call anonymous third-party REST APIs using the SharePoint Framework API.</a:t>
+            </a:r>
+          </a:p>
+          <a:p>
+            <a:endParaRPr lang="en-US" dirty="0"/>
           </a:p>
         </p:txBody>
       </p:sp>
@@ -1123,7 +1154,7 @@
           <a:p>
             <a:fld id="{D18B56EA-E28F-4F92-9F16-7A6F2501B303}" type="datetime8">
               <a:rPr lang="en-US" smtClean="0"/>
-              <a:t>3/9/2019 6:29 AM</a:t>
+              <a:t>3/5/20 5:56 PM</a:t>
             </a:fld>
             <a:endParaRPr lang="en-US" dirty="0"/>
           </a:p>
@@ -1210,7 +1241,151 @@
           <a:bodyPr/>
           <a:lstStyle/>
           <a:p>
+            <a:r>
+              <a:rPr lang="en-US" dirty="0"/>
+              <a:t>A common requirement for SharePoint Framework projects is that they display or interact with data external to the web part. This data can reside in SharePoint lists and libraries, or it may be accessible via Microsoft Graph. Maybe the data is external to SharePoint and Microsoft 365 and your project will need to request data from a third party REST API that may support anonymous requests or only support authorized requests because it is protected with Azure AD.</a:t>
+            </a:r>
+          </a:p>
+          <a:p>
             <a:endParaRPr lang="en-US" dirty="0"/>
+          </a:p>
+          <a:p>
+            <a:r>
+              <a:rPr lang="en-US" dirty="0"/>
+              <a:t>The SharePoint Framework includes multiple APIs you can use that address the different scenarios depending where the data resides and the specifics around the of HTTP API you'll need to call. There are three different APIs you'll use for specific scenarios.</a:t>
+            </a:r>
+          </a:p>
+          <a:p>
+            <a:endParaRPr lang="en-US" dirty="0"/>
+          </a:p>
+          <a:p>
+            <a:r>
+              <a:rPr lang="en-US" dirty="0"/>
+              <a:t>The `</a:t>
+            </a:r>
+            <a:r>
+              <a:rPr lang="en-US" dirty="0" err="1"/>
+              <a:t>HttpClient</a:t>
+            </a:r>
+            <a:r>
+              <a:rPr lang="en-US" dirty="0"/>
+              <a:t>` API is the cornerstone for most HTTP requests in SharePoint Framework projects. You'll use the `</a:t>
+            </a:r>
+            <a:r>
+              <a:rPr lang="en-US" dirty="0" err="1"/>
+              <a:t>HttpClient</a:t>
+            </a:r>
+            <a:r>
+              <a:rPr lang="en-US" dirty="0"/>
+              <a:t>` API to primarily submit anonymous requests to third-party APIs. The `</a:t>
+            </a:r>
+            <a:r>
+              <a:rPr lang="en-US" dirty="0" err="1"/>
+              <a:t>SPHttpClient</a:t>
+            </a:r>
+            <a:r>
+              <a:rPr lang="en-US" dirty="0"/>
+              <a:t>` API extends the `</a:t>
+            </a:r>
+            <a:r>
+              <a:rPr lang="en-US" dirty="0" err="1"/>
+              <a:t>HttpClient</a:t>
+            </a:r>
+            <a:r>
+              <a:rPr lang="en-US" dirty="0"/>
+              <a:t>` to include necessary HTTP request headers used by the SharePoint REST API. For example, the `</a:t>
+            </a:r>
+            <a:r>
+              <a:rPr lang="en-US" dirty="0" err="1"/>
+              <a:t>SPHttpClient</a:t>
+            </a:r>
+            <a:r>
+              <a:rPr lang="en-US" dirty="0"/>
+              <a:t>` automatically includes an `</a:t>
+            </a:r>
+            <a:r>
+              <a:rPr lang="en-US" dirty="0" err="1"/>
+              <a:t>odata</a:t>
+            </a:r>
+            <a:r>
+              <a:rPr lang="en-US" dirty="0"/>
+              <a:t>-version` HTTP request header set to `4` to configure the SharePoint REST API from the default OData v3 protocol to OData v4.</a:t>
+            </a:r>
+          </a:p>
+          <a:p>
+            <a:endParaRPr lang="en-US" dirty="0"/>
+          </a:p>
+          <a:p>
+            <a:r>
+              <a:rPr lang="en-US" dirty="0"/>
+              <a:t>The `</a:t>
+            </a:r>
+            <a:r>
+              <a:rPr lang="en-US" dirty="0" err="1"/>
+              <a:t>MSGraphClient</a:t>
+            </a:r>
+            <a:r>
+              <a:rPr lang="en-US" dirty="0"/>
+              <a:t>` API is used to call the Microsoft Graph REST API in the same tenant as the current SharePoint Online tenant. Unlike the other HTTP APIs in the </a:t>
+            </a:r>
+            <a:r>
+              <a:rPr lang="en-US" dirty="0" err="1"/>
+              <a:t>SharePointFramework</a:t>
+            </a:r>
+            <a:r>
+              <a:rPr lang="en-US" dirty="0"/>
+              <a:t>, the `</a:t>
+            </a:r>
+            <a:r>
+              <a:rPr lang="en-US" dirty="0" err="1"/>
+              <a:t>MSGraphClient</a:t>
+            </a:r>
+            <a:r>
+              <a:rPr lang="en-US" dirty="0"/>
+              <a:t>` API is used to obtain a configured instance of the Microsoft Graph JavaScript SDK client.</a:t>
+            </a:r>
+          </a:p>
+          <a:p>
+            <a:endParaRPr lang="en-US" dirty="0"/>
+          </a:p>
+          <a:p>
+            <a:r>
+              <a:rPr lang="en-US" dirty="0"/>
+              <a:t>The `</a:t>
+            </a:r>
+            <a:r>
+              <a:rPr lang="en-US" dirty="0" err="1"/>
+              <a:t>AADHttpClient</a:t>
+            </a:r>
+            <a:r>
+              <a:rPr lang="en-US" dirty="0"/>
+              <a:t>` API extends the `</a:t>
+            </a:r>
+            <a:r>
+              <a:rPr lang="en-US" dirty="0" err="1"/>
+              <a:t>HttpClient</a:t>
+            </a:r>
+            <a:r>
+              <a:rPr lang="en-US" dirty="0"/>
+              <a:t>` API that is used to call Azure AD secured APIs. You'll use the Azure AD HTTP client API to obtain an instance of the `</a:t>
+            </a:r>
+            <a:r>
+              <a:rPr lang="en-US" dirty="0" err="1"/>
+              <a:t>HttpClient</a:t>
+            </a:r>
+            <a:r>
+              <a:rPr lang="en-US" dirty="0"/>
+              <a:t>` that includes an `authorization` HTTP request header with the value set to an access token used to authorize calls to an Azure AD secured HTTP endpoint.</a:t>
+            </a:r>
+          </a:p>
+          <a:p>
+            <a:endParaRPr lang="en-US" dirty="0"/>
+          </a:p>
+          <a:p>
+            <a:r>
+              <a:rPr lang="en-US" dirty="0"/>
+              <a:t>None of these related HTTP request APIs require developers to install additional clients or libraries; the default SharePoint Framework project includes everything you'll need in your project to submit requests to REST APIs.</a:t>
+            </a:r>
           </a:p>
         </p:txBody>
       </p:sp>
@@ -1372,6 +1547,102 @@
           <a:bodyPr/>
           <a:lstStyle/>
           <a:p>
+            <a:r>
+              <a:rPr lang="en-US" dirty="0"/>
+              <a:t>The `</a:t>
+            </a:r>
+            <a:r>
+              <a:rPr lang="en-US" dirty="0" err="1"/>
+              <a:t>HttpClient</a:t>
+            </a:r>
+            <a:r>
+              <a:rPr lang="en-US" dirty="0"/>
+              <a:t>` API is available from the SharePoint Framework component's `context` object. You'll primarily use this API to submit HTTP request to anonymous REST APIs, but you aren't limited to anonymous APIs or REST APIs. The client is optimized for REST APIs, but it is just used to submit HTTP requests to endpoints. You'll have full control to override any parts of the request prior to sending it, including adding or modifying HTTP request header values.</a:t>
+            </a:r>
+          </a:p>
+          <a:p>
+            <a:endParaRPr lang="en-US" dirty="0"/>
+          </a:p>
+          <a:p>
+            <a:r>
+              <a:rPr lang="en-US" dirty="0"/>
+              <a:t>Most modern browsers implement the [Fetch API](https://</a:t>
+            </a:r>
+            <a:r>
+              <a:rPr lang="en-US" dirty="0" err="1"/>
+              <a:t>developer.mozilla.org</a:t>
+            </a:r>
+            <a:r>
+              <a:rPr lang="en-US" dirty="0"/>
+              <a:t>/docs/Web/API/</a:t>
+            </a:r>
+            <a:r>
+              <a:rPr lang="en-US" dirty="0" err="1"/>
+              <a:t>Fetch_API</a:t>
+            </a:r>
+            <a:r>
+              <a:rPr lang="en-US" dirty="0"/>
+              <a:t>) which provides an interface for fetching resources across a network. The `</a:t>
+            </a:r>
+            <a:r>
+              <a:rPr lang="en-US" dirty="0" err="1"/>
+              <a:t>HttpClient</a:t>
+            </a:r>
+            <a:r>
+              <a:rPr lang="en-US" dirty="0"/>
+              <a:t>` API wraps the Fetch API and automatically includes the </a:t>
+            </a:r>
+            <a:r>
+              <a:rPr lang="en-US" dirty="0" err="1"/>
+              <a:t>polyfill</a:t>
+            </a:r>
+            <a:r>
+              <a:rPr lang="en-US" dirty="0"/>
+              <a:t> **</a:t>
+            </a:r>
+            <a:r>
+              <a:rPr lang="en-US" dirty="0" err="1"/>
+              <a:t>whatwg</a:t>
+            </a:r>
+            <a:r>
+              <a:rPr lang="en-US" dirty="0"/>
+              <a:t>-fetch** for older browsers that don't implement the Fetch API, such as Internet Explorer 11.</a:t>
+            </a:r>
+          </a:p>
+          <a:p>
+            <a:endParaRPr lang="en-US" dirty="0"/>
+          </a:p>
+          <a:p>
+            <a:r>
+              <a:rPr lang="en-US" dirty="0"/>
+              <a:t>Previously we said you'd primarily use the `</a:t>
+            </a:r>
+            <a:r>
+              <a:rPr lang="en-US" dirty="0" err="1"/>
+              <a:t>HttpClient</a:t>
+            </a:r>
+            <a:r>
+              <a:rPr lang="en-US" dirty="0"/>
+              <a:t>` API for calling anonymous APIs. You aren't limited to anonymous APIs. The SharePoint Framework includes APIs that are based off the `</a:t>
+            </a:r>
+            <a:r>
+              <a:rPr lang="en-US" dirty="0" err="1"/>
+              <a:t>HttpClient</a:t>
+            </a:r>
+            <a:r>
+              <a:rPr lang="en-US" dirty="0"/>
+              <a:t>` for calling Microsoft-secured APIs, such as the SharePoint REST API, Microsoft Graph and other APIs secured with Azure AD. You can use the `</a:t>
+            </a:r>
+            <a:r>
+              <a:rPr lang="en-US" dirty="0" err="1"/>
+              <a:t>HttpClient</a:t>
+            </a:r>
+            <a:r>
+              <a:rPr lang="en-US" dirty="0"/>
+              <a:t>` if you need to call an API secured with another solution, but you'll need to implement any authorization specifications in your project.</a:t>
+            </a:r>
+          </a:p>
+          <a:p>
             <a:endParaRPr lang="en-US" dirty="0"/>
           </a:p>
         </p:txBody>
@@ -1391,6 +1662,10 @@
           <a:bodyPr/>
           <a:lstStyle/>
           <a:p>
+            <a:r>
+              <a:rPr lang="en-US"/>
+              <a:t>SharePoint Framework</a:t>
+            </a:r>
             <a:endParaRPr lang="en-US" dirty="0"/>
           </a:p>
         </p:txBody>
@@ -1466,7 +1741,7 @@
           <a:p>
             <a:fld id="{D18B56EA-E28F-4F92-9F16-7A6F2501B303}" type="datetime8">
               <a:rPr lang="en-US" smtClean="0"/>
-              <a:t>3/9/2019 6:29 AM</a:t>
+              <a:t>3/6/20 5:55 AM</a:t>
             </a:fld>
             <a:endParaRPr lang="en-US" dirty="0"/>
           </a:p>
@@ -1490,7 +1765,7 @@
             <a:fld id="{B4008EB6-D09E-4580-8CD6-DDB14511944F}" type="slidenum">
               <a:rPr lang="en-US" smtClean="0"/>
               <a:pPr/>
-              <a:t>5</a:t>
+              <a:t>4</a:t>
             </a:fld>
             <a:endParaRPr lang="en-US" dirty="0"/>
           </a:p>
@@ -1499,7 +1774,7 @@
     </p:spTree>
     <p:extLst>
       <p:ext uri="{BB962C8B-B14F-4D97-AF65-F5344CB8AC3E}">
-        <p14:creationId xmlns:p14="http://schemas.microsoft.com/office/powerpoint/2010/main" val="340084702"/>
+        <p14:creationId xmlns:p14="http://schemas.microsoft.com/office/powerpoint/2010/main" val="1208892975"/>
       </p:ext>
     </p:extLst>
   </p:cSld>
@@ -1553,6 +1828,92 @@
           <a:bodyPr/>
           <a:lstStyle/>
           <a:p>
+            <a:r>
+              <a:rPr lang="en-US" dirty="0"/>
+              <a:t>To use the `</a:t>
+            </a:r>
+            <a:r>
+              <a:rPr lang="en-US" dirty="0" err="1"/>
+              <a:t>HttpClient</a:t>
+            </a:r>
+            <a:r>
+              <a:rPr lang="en-US" dirty="0"/>
+              <a:t>` API, first import it into your TypeScript file:</a:t>
+            </a:r>
+          </a:p>
+          <a:p>
+            <a:endParaRPr lang="en-US" dirty="0"/>
+          </a:p>
+          <a:p>
+            <a:r>
+              <a:rPr lang="en-US" dirty="0"/>
+              <a:t>In the code above, we're also importing the `</a:t>
+            </a:r>
+            <a:r>
+              <a:rPr lang="en-US" dirty="0" err="1"/>
+              <a:t>HttpClientResponse</a:t>
+            </a:r>
+            <a:r>
+              <a:rPr lang="en-US" dirty="0"/>
+              <a:t>` object to cast the object returned from an HTTP request into a typed object.</a:t>
+            </a:r>
+          </a:p>
+          <a:p>
+            <a:endParaRPr lang="en-US" dirty="0"/>
+          </a:p>
+          <a:p>
+            <a:r>
+              <a:rPr lang="en-US" dirty="0"/>
+              <a:t>Next, submit a request using either the `get()` or `post()` method on the `</a:t>
+            </a:r>
+            <a:r>
+              <a:rPr lang="en-US" dirty="0" err="1"/>
+              <a:t>this.context.httpClient</a:t>
+            </a:r>
+            <a:r>
+              <a:rPr lang="en-US" dirty="0"/>
+              <a:t>` object from a SharePoint Framework component. These two methods have three arguments:</a:t>
+            </a:r>
+          </a:p>
+          <a:p>
+            <a:endParaRPr lang="en-US" dirty="0"/>
+          </a:p>
+          <a:p>
+            <a:r>
+              <a:rPr lang="en-US" dirty="0"/>
+              <a:t>- **endpoint** (*required*): The first argument is the endpoint of the HTTP request you want to call.</a:t>
+            </a:r>
+          </a:p>
+          <a:p>
+            <a:r>
+              <a:rPr lang="en-US" dirty="0"/>
+              <a:t>- **configuration** (*required*): The second argument is the configuration to use for the request. Always use the `HttpClient.configurations.v1` configuration. This will set the HTTP request headers to the common values such as setting the `accept` header to `application/json` to request the data as JSON.</a:t>
+            </a:r>
+          </a:p>
+          <a:p>
+            <a:r>
+              <a:rPr lang="en-US" dirty="0"/>
+              <a:t>- **request options** (*optional*): The last argument is optional. It enables developers to pass in a custom request object that overrides any of the configuration settings prior to submitting the request.</a:t>
+            </a:r>
+          </a:p>
+          <a:p>
+            <a:endParaRPr lang="en-US" dirty="0"/>
+          </a:p>
+          <a:p>
+            <a:r>
+              <a:rPr lang="en-US" dirty="0"/>
+              <a:t>The `get()` and `post()` methods return a JavaScript promise with the response as a `</a:t>
+            </a:r>
+            <a:r>
+              <a:rPr lang="en-US" dirty="0" err="1"/>
+              <a:t>HttpClientResponse</a:t>
+            </a:r>
+            <a:r>
+              <a:rPr lang="en-US" dirty="0"/>
+              <a:t>` object. To parse the body of the response as a JSON object, call the `json()` method that will return a JavaScript promise object containing the response:</a:t>
+            </a:r>
+          </a:p>
+          <a:p>
             <a:endParaRPr lang="en-US" dirty="0"/>
           </a:p>
         </p:txBody>
@@ -1564,7 +1925,7 @@
             <a:spLocks noGrp="1"/>
           </p:cNvSpPr>
           <p:nvPr>
-            <p:ph type="hdr" sz="quarter" idx="10"/>
+            <p:ph type="hdr" sz="quarter"/>
           </p:nvPr>
         </p:nvSpPr>
         <p:spPr/>
@@ -1583,7 +1944,7 @@
             <a:spLocks noGrp="1"/>
           </p:cNvSpPr>
           <p:nvPr>
-            <p:ph type="ftr" sz="quarter" idx="11"/>
+            <p:ph type="ftr" sz="quarter" idx="4"/>
           </p:nvPr>
         </p:nvSpPr>
         <p:spPr/>
@@ -1637,7 +1998,7 @@
             <a:spLocks noGrp="1"/>
           </p:cNvSpPr>
           <p:nvPr>
-            <p:ph type="dt" idx="12"/>
+            <p:ph type="dt" idx="1"/>
           </p:nvPr>
         </p:nvSpPr>
         <p:spPr/>
@@ -1647,7 +2008,7 @@
           <a:p>
             <a:fld id="{D18B56EA-E28F-4F92-9F16-7A6F2501B303}" type="datetime8">
               <a:rPr lang="en-US" smtClean="0"/>
-              <a:t>3/9/2019 6:29 AM</a:t>
+              <a:t>3/6/20 6:09 AM</a:t>
             </a:fld>
             <a:endParaRPr lang="en-US" dirty="0"/>
           </a:p>
@@ -1660,7 +2021,7 @@
             <a:spLocks noGrp="1"/>
           </p:cNvSpPr>
           <p:nvPr>
-            <p:ph type="sldNum" sz="quarter" idx="13"/>
+            <p:ph type="sldNum" sz="quarter" idx="5"/>
           </p:nvPr>
         </p:nvSpPr>
         <p:spPr/>
@@ -1671,7 +2032,7 @@
             <a:fld id="{B4008EB6-D09E-4580-8CD6-DDB14511944F}" type="slidenum">
               <a:rPr lang="en-US" smtClean="0"/>
               <a:pPr/>
-              <a:t>6</a:t>
+              <a:t>5</a:t>
             </a:fld>
             <a:endParaRPr lang="en-US" dirty="0"/>
           </a:p>
@@ -1680,7 +2041,7 @@
     </p:spTree>
     <p:extLst>
       <p:ext uri="{BB962C8B-B14F-4D97-AF65-F5344CB8AC3E}">
-        <p14:creationId xmlns:p14="http://schemas.microsoft.com/office/powerpoint/2010/main" val="1390539867"/>
+        <p14:creationId xmlns:p14="http://schemas.microsoft.com/office/powerpoint/2010/main" val="340084702"/>
       </p:ext>
     </p:extLst>
   </p:cSld>
@@ -1828,7 +2189,7 @@
           <a:p>
             <a:fld id="{D18B56EA-E28F-4F92-9F16-7A6F2501B303}" type="datetime8">
               <a:rPr lang="en-US" smtClean="0"/>
-              <a:t>3/9/2019 6:29 AM</a:t>
+              <a:t>3/5/20 10:03 AM</a:t>
             </a:fld>
             <a:endParaRPr lang="en-US" dirty="0"/>
           </a:p>
@@ -1852,7 +2213,7 @@
             <a:fld id="{B4008EB6-D09E-4580-8CD6-DDB14511944F}" type="slidenum">
               <a:rPr lang="en-US" smtClean="0"/>
               <a:pPr/>
-              <a:t>8</a:t>
+              <a:t>6</a:t>
             </a:fld>
             <a:endParaRPr lang="en-US" dirty="0"/>
           </a:p>
@@ -1861,7 +2222,7 @@
     </p:spTree>
     <p:extLst>
       <p:ext uri="{BB962C8B-B14F-4D97-AF65-F5344CB8AC3E}">
-        <p14:creationId xmlns:p14="http://schemas.microsoft.com/office/powerpoint/2010/main" val="3282806226"/>
+        <p14:creationId xmlns:p14="http://schemas.microsoft.com/office/powerpoint/2010/main" val="1390539867"/>
       </p:ext>
     </p:extLst>
   </p:cSld>
@@ -1915,7 +2276,7 @@
           <a:bodyPr/>
           <a:lstStyle/>
           <a:p>
-            <a:endParaRPr lang="en-US"/>
+            <a:endParaRPr lang="en-US" dirty="0"/>
           </a:p>
         </p:txBody>
       </p:sp>
@@ -2009,7 +2370,7 @@
           <a:p>
             <a:fld id="{D18B56EA-E28F-4F92-9F16-7A6F2501B303}" type="datetime8">
               <a:rPr lang="en-US" smtClean="0"/>
-              <a:t>3/9/2019 6:29 AM</a:t>
+              <a:t>3/5/20 10:03 AM</a:t>
             </a:fld>
             <a:endParaRPr lang="en-US" dirty="0"/>
           </a:p>
@@ -2033,7 +2394,7 @@
             <a:fld id="{B4008EB6-D09E-4580-8CD6-DDB14511944F}" type="slidenum">
               <a:rPr lang="en-US" smtClean="0"/>
               <a:pPr/>
-              <a:t>9</a:t>
+              <a:t>8</a:t>
             </a:fld>
             <a:endParaRPr lang="en-US" dirty="0"/>
           </a:p>
@@ -2042,7 +2403,7 @@
     </p:spTree>
     <p:extLst>
       <p:ext uri="{BB962C8B-B14F-4D97-AF65-F5344CB8AC3E}">
-        <p14:creationId xmlns:p14="http://schemas.microsoft.com/office/powerpoint/2010/main" val="2510823477"/>
+        <p14:creationId xmlns:p14="http://schemas.microsoft.com/office/powerpoint/2010/main" val="3282806226"/>
       </p:ext>
     </p:extLst>
   </p:cSld>
@@ -2190,7 +2551,188 @@
           <a:p>
             <a:fld id="{D18B56EA-E28F-4F92-9F16-7A6F2501B303}" type="datetime8">
               <a:rPr lang="en-US" smtClean="0"/>
-              <a:t>3/9/2019 6:29 AM</a:t>
+              <a:t>3/5/20 10:03 AM</a:t>
+            </a:fld>
+            <a:endParaRPr lang="en-US" dirty="0"/>
+          </a:p>
+        </p:txBody>
+      </p:sp>
+      <p:sp>
+        <p:nvSpPr>
+          <p:cNvPr id="7" name="Slide Number Placeholder 6"/>
+          <p:cNvSpPr>
+            <a:spLocks noGrp="1"/>
+          </p:cNvSpPr>
+          <p:nvPr>
+            <p:ph type="sldNum" sz="quarter" idx="13"/>
+          </p:nvPr>
+        </p:nvSpPr>
+        <p:spPr/>
+        <p:txBody>
+          <a:bodyPr/>
+          <a:lstStyle/>
+          <a:p>
+            <a:fld id="{B4008EB6-D09E-4580-8CD6-DDB14511944F}" type="slidenum">
+              <a:rPr lang="en-US" smtClean="0"/>
+              <a:pPr/>
+              <a:t>9</a:t>
+            </a:fld>
+            <a:endParaRPr lang="en-US" dirty="0"/>
+          </a:p>
+        </p:txBody>
+      </p:sp>
+    </p:spTree>
+    <p:extLst>
+      <p:ext uri="{BB962C8B-B14F-4D97-AF65-F5344CB8AC3E}">
+        <p14:creationId xmlns:p14="http://schemas.microsoft.com/office/powerpoint/2010/main" val="2510823477"/>
+      </p:ext>
+    </p:extLst>
+  </p:cSld>
+  <p:clrMapOvr>
+    <a:masterClrMapping/>
+  </p:clrMapOvr>
+</p:notes>
+</file>
+
+<file path=ppt/notesSlides/notesSlide9.xml><?xml version="1.0" encoding="utf-8"?>
+<p:notes xmlns:a="http://schemas.openxmlformats.org/drawingml/2006/main" xmlns:r="http://schemas.openxmlformats.org/officeDocument/2006/relationships" xmlns:p="http://schemas.openxmlformats.org/presentationml/2006/main">
+  <p:cSld>
+    <p:spTree>
+      <p:nvGrpSpPr>
+        <p:cNvPr id="1" name=""/>
+        <p:cNvGrpSpPr/>
+        <p:nvPr/>
+      </p:nvGrpSpPr>
+      <p:grpSpPr>
+        <a:xfrm>
+          <a:off x="0" y="0"/>
+          <a:ext cx="0" cy="0"/>
+          <a:chOff x="0" y="0"/>
+          <a:chExt cx="0" cy="0"/>
+        </a:xfrm>
+      </p:grpSpPr>
+      <p:sp>
+        <p:nvSpPr>
+          <p:cNvPr id="2" name="Slide Image Placeholder 1"/>
+          <p:cNvSpPr>
+            <a:spLocks noGrp="1" noRot="1" noChangeAspect="1"/>
+          </p:cNvSpPr>
+          <p:nvPr>
+            <p:ph type="sldImg"/>
+          </p:nvPr>
+        </p:nvSpPr>
+        <p:spPr/>
+      </p:sp>
+      <p:sp>
+        <p:nvSpPr>
+          <p:cNvPr id="3" name="Notes Placeholder 2"/>
+          <p:cNvSpPr>
+            <a:spLocks noGrp="1"/>
+          </p:cNvSpPr>
+          <p:nvPr>
+            <p:ph type="body" idx="1"/>
+          </p:nvPr>
+        </p:nvSpPr>
+        <p:spPr/>
+        <p:txBody>
+          <a:bodyPr/>
+          <a:lstStyle/>
+          <a:p>
+            <a:endParaRPr lang="en-US"/>
+          </a:p>
+        </p:txBody>
+      </p:sp>
+      <p:sp>
+        <p:nvSpPr>
+          <p:cNvPr id="4" name="Header Placeholder 3"/>
+          <p:cNvSpPr>
+            <a:spLocks noGrp="1"/>
+          </p:cNvSpPr>
+          <p:nvPr>
+            <p:ph type="hdr" sz="quarter" idx="10"/>
+          </p:nvPr>
+        </p:nvSpPr>
+        <p:spPr/>
+        <p:txBody>
+          <a:bodyPr/>
+          <a:lstStyle/>
+          <a:p>
+            <a:endParaRPr lang="en-US" dirty="0"/>
+          </a:p>
+        </p:txBody>
+      </p:sp>
+      <p:sp>
+        <p:nvSpPr>
+          <p:cNvPr id="5" name="Footer Placeholder 4"/>
+          <p:cNvSpPr>
+            <a:spLocks noGrp="1"/>
+          </p:cNvSpPr>
+          <p:nvPr>
+            <p:ph type="ftr" sz="quarter" idx="11"/>
+          </p:nvPr>
+        </p:nvSpPr>
+        <p:spPr/>
+        <p:txBody>
+          <a:bodyPr/>
+          <a:lstStyle/>
+          <a:p>
+            <a:pPr defTabSz="914099" eaLnBrk="0" hangingPunct="0"/>
+            <a:r>
+              <a:rPr lang="en-US" sz="400">
+                <a:gradFill>
+                  <a:gsLst>
+                    <a:gs pos="0">
+                      <a:prstClr val="black"/>
+                    </a:gs>
+                    <a:gs pos="100000">
+                      <a:prstClr val="black"/>
+                    </a:gs>
+                  </a:gsLst>
+                  <a:lin ang="5400000" scaled="0"/>
+                </a:gradFill>
+                <a:latin typeface="Segoe UI" pitchFamily="34" charset="0"/>
+                <a:ea typeface="Segoe UI" pitchFamily="34" charset="0"/>
+                <a:cs typeface="Segoe UI" pitchFamily="34" charset="0"/>
+              </a:rPr>
+              <a:t>© Microsoft Corporation. All rights reserved. MICROSOFT MAKES NO WARRANTIES, EXPRESS, IMPLIED OR STATUTORY, AS TO THE INFORMATION IN THIS PRESENTATION.</a:t>
+            </a:r>
+            <a:endParaRPr lang="en-US" sz="400" dirty="0">
+              <a:gradFill>
+                <a:gsLst>
+                  <a:gs pos="0">
+                    <a:prstClr val="black"/>
+                  </a:gs>
+                  <a:gs pos="100000">
+                    <a:prstClr val="black"/>
+                  </a:gs>
+                </a:gsLst>
+                <a:lin ang="5400000" scaled="0"/>
+              </a:gradFill>
+              <a:latin typeface="Segoe UI" pitchFamily="34" charset="0"/>
+              <a:ea typeface="Segoe UI" pitchFamily="34" charset="0"/>
+              <a:cs typeface="Segoe UI" pitchFamily="34" charset="0"/>
+            </a:endParaRPr>
+          </a:p>
+        </p:txBody>
+      </p:sp>
+      <p:sp>
+        <p:nvSpPr>
+          <p:cNvPr id="6" name="Date Placeholder 5"/>
+          <p:cNvSpPr>
+            <a:spLocks noGrp="1"/>
+          </p:cNvSpPr>
+          <p:nvPr>
+            <p:ph type="dt" idx="12"/>
+          </p:nvPr>
+        </p:nvSpPr>
+        <p:spPr/>
+        <p:txBody>
+          <a:bodyPr/>
+          <a:lstStyle/>
+          <a:p>
+            <a:fld id="{D18B56EA-E28F-4F92-9F16-7A6F2501B303}" type="datetime8">
+              <a:rPr lang="en-US" smtClean="0"/>
+              <a:t>3/5/20 10:03 AM</a:t>
             </a:fld>
             <a:endParaRPr lang="en-US" dirty="0"/>
           </a:p>
@@ -14758,7 +15300,7 @@
       </a:lvl9pPr>
     </p:otherStyle>
   </p:txStyles>
-  <p:extLst mod="1">
+  <p:extLst>
     <p:ext uri="{27BBF7A9-308A-43DC-89C8-2F10F3537804}">
       <p15:sldGuideLst xmlns:p15="http://schemas.microsoft.com/office/powerpoint/2012/main">
         <p15:guide id="3" pos="1381" userDrawn="1">
@@ -15535,7 +16077,7 @@
             <a:pPr lvl="1"/>
             <a:r>
               <a:rPr lang="en-US" dirty="0">
-                <a:hlinkClick r:id="rId2"/>
+                <a:hlinkClick r:id="rId3"/>
               </a:rPr>
               <a:t>https://developer.mozilla.org/docs/Web/API/Fetch_API</a:t>
             </a:r>

--- a/01 httpclient.pptx
+++ b/01 httpclient.pptx
@@ -262,7 +262,7 @@
               <a:rPr lang="en-US" smtClean="0">
                 <a:latin typeface="Segoe UI" pitchFamily="34" charset="0"/>
               </a:rPr>
-              <a:t>3/5/20 10:03 AM</a:t>
+              <a:t>8/29/2020 11:54 AM</a:t>
             </a:fld>
             <a:endParaRPr lang="en-US" dirty="0">
               <a:latin typeface="Segoe UI" pitchFamily="34" charset="0"/>
@@ -559,7 +559,7 @@
           <a:p>
             <a:fld id="{D18B56EA-E28F-4F92-9F16-7A6F2501B303}" type="datetime8">
               <a:rPr lang="en-US" smtClean="0"/>
-              <a:t>3/5/20 10:03 AM</a:t>
+              <a:t>8/29/2020 11:54 AM</a:t>
             </a:fld>
             <a:endParaRPr lang="en-US" dirty="0"/>
           </a:p>
@@ -942,7 +942,7 @@
           <a:p>
             <a:fld id="{D18B56EA-E28F-4F92-9F16-7A6F2501B303}" type="datetime8">
               <a:rPr lang="en-US" smtClean="0"/>
-              <a:t>3/5/20 10:03 AM</a:t>
+              <a:t>8/29/2020 11:54 AM</a:t>
             </a:fld>
             <a:endParaRPr lang="en-US" dirty="0"/>
           </a:p>
@@ -1154,7 +1154,7 @@
           <a:p>
             <a:fld id="{D18B56EA-E28F-4F92-9F16-7A6F2501B303}" type="datetime8">
               <a:rPr lang="en-US" smtClean="0"/>
-              <a:t>3/5/20 5:56 PM</a:t>
+              <a:t>8/29/2020 11:54 AM</a:t>
             </a:fld>
             <a:endParaRPr lang="en-US" dirty="0"/>
           </a:p>
@@ -1548,16 +1548,74 @@
           <a:lstStyle/>
           <a:p>
             <a:r>
-              <a:rPr lang="en-US" dirty="0"/>
-              <a:t>The `</a:t>
-            </a:r>
-            <a:r>
-              <a:rPr lang="en-US" dirty="0" err="1"/>
+              <a:rPr lang="en-US" b="0" dirty="0">
+                <a:solidFill>
+                  <a:srgbClr val="000000"/>
+                </a:solidFill>
+                <a:effectLst/>
+                <a:latin typeface="Consolas" panose="020B0609020204030204" pitchFamily="49" charset="0"/>
+              </a:rPr>
+              <a:t>The </a:t>
+            </a:r>
+            <a:r>
+              <a:rPr lang="en-US" b="0" dirty="0">
+                <a:solidFill>
+                  <a:srgbClr val="800000"/>
+                </a:solidFill>
+                <a:effectLst/>
+                <a:latin typeface="Consolas" panose="020B0609020204030204" pitchFamily="49" charset="0"/>
+              </a:rPr>
+              <a:t>`</a:t>
+            </a:r>
+            <a:r>
+              <a:rPr lang="en-US" b="0" dirty="0" err="1">
+                <a:solidFill>
+                  <a:srgbClr val="800000"/>
+                </a:solidFill>
+                <a:effectLst/>
+                <a:latin typeface="Consolas" panose="020B0609020204030204" pitchFamily="49" charset="0"/>
+              </a:rPr>
               <a:t>HttpClient</a:t>
             </a:r>
             <a:r>
-              <a:rPr lang="en-US" dirty="0"/>
-              <a:t>` API is available from the SharePoint Framework component's `context` object. You'll primarily use this API to submit HTTP request to anonymous REST APIs, but you aren't limited to anonymous APIs or REST APIs. The client is optimized for REST APIs, but it is just used to submit HTTP requests to endpoints. You'll have full control to override any parts of the request prior to sending it, including adding or modifying HTTP request header values.</a:t>
+              <a:rPr lang="en-US" b="0" dirty="0">
+                <a:solidFill>
+                  <a:srgbClr val="800000"/>
+                </a:solidFill>
+                <a:effectLst/>
+                <a:latin typeface="Consolas" panose="020B0609020204030204" pitchFamily="49" charset="0"/>
+              </a:rPr>
+              <a:t>`</a:t>
+            </a:r>
+            <a:r>
+              <a:rPr lang="en-US" b="0" dirty="0">
+                <a:solidFill>
+                  <a:srgbClr val="000000"/>
+                </a:solidFill>
+                <a:effectLst/>
+                <a:latin typeface="Consolas" panose="020B0609020204030204" pitchFamily="49" charset="0"/>
+              </a:rPr>
+              <a:t> API is available from the SharePoint Framework component's </a:t>
+            </a:r>
+            <a:r>
+              <a:rPr lang="en-US" b="0" dirty="0">
+                <a:solidFill>
+                  <a:srgbClr val="800000"/>
+                </a:solidFill>
+                <a:effectLst/>
+                <a:latin typeface="Consolas" panose="020B0609020204030204" pitchFamily="49" charset="0"/>
+              </a:rPr>
+              <a:t>`context`</a:t>
+            </a:r>
+            <a:r>
+              <a:rPr lang="en-US" b="0" dirty="0">
+                <a:solidFill>
+                  <a:srgbClr val="000000"/>
+                </a:solidFill>
+                <a:effectLst/>
+                <a:latin typeface="Consolas" panose="020B0609020204030204" pitchFamily="49" charset="0"/>
+              </a:rPr>
+              <a:t> object. You'll primarily use this API to submit HTTP request to anonymous REST APIs, but you aren't limited to anonymous APIs or REST APIs. The client is optimized for REST APIs, but it can be used to submit HTTP requests to other types of endpoints. You have full control to override any parts of the request prior to sending it, including adding or modifying HTTP request header values.</a:t>
             </a:r>
           </a:p>
           <a:p>
@@ -1741,7 +1799,7 @@
           <a:p>
             <a:fld id="{D18B56EA-E28F-4F92-9F16-7A6F2501B303}" type="datetime8">
               <a:rPr lang="en-US" smtClean="0"/>
-              <a:t>3/6/20 5:55 AM</a:t>
+              <a:t>8/29/2020 11:54 AM</a:t>
             </a:fld>
             <a:endParaRPr lang="en-US" dirty="0"/>
           </a:p>
@@ -2008,7 +2066,7 @@
           <a:p>
             <a:fld id="{D18B56EA-E28F-4F92-9F16-7A6F2501B303}" type="datetime8">
               <a:rPr lang="en-US" smtClean="0"/>
-              <a:t>3/6/20 6:09 AM</a:t>
+              <a:t>8/29/2020 11:54 AM</a:t>
             </a:fld>
             <a:endParaRPr lang="en-US" dirty="0"/>
           </a:p>
@@ -2189,7 +2247,7 @@
           <a:p>
             <a:fld id="{D18B56EA-E28F-4F92-9F16-7A6F2501B303}" type="datetime8">
               <a:rPr lang="en-US" smtClean="0"/>
-              <a:t>3/5/20 10:03 AM</a:t>
+              <a:t>8/29/2020 11:54 AM</a:t>
             </a:fld>
             <a:endParaRPr lang="en-US" dirty="0"/>
           </a:p>
@@ -2370,7 +2428,7 @@
           <a:p>
             <a:fld id="{D18B56EA-E28F-4F92-9F16-7A6F2501B303}" type="datetime8">
               <a:rPr lang="en-US" smtClean="0"/>
-              <a:t>3/5/20 10:03 AM</a:t>
+              <a:t>8/29/2020 11:54 AM</a:t>
             </a:fld>
             <a:endParaRPr lang="en-US" dirty="0"/>
           </a:p>
@@ -2551,7 +2609,7 @@
           <a:p>
             <a:fld id="{D18B56EA-E28F-4F92-9F16-7A6F2501B303}" type="datetime8">
               <a:rPr lang="en-US" smtClean="0"/>
-              <a:t>3/5/20 10:03 AM</a:t>
+              <a:t>8/29/2020 11:54 AM</a:t>
             </a:fld>
             <a:endParaRPr lang="en-US" dirty="0"/>
           </a:p>
@@ -2732,7 +2790,7 @@
           <a:p>
             <a:fld id="{D18B56EA-E28F-4F92-9F16-7A6F2501B303}" type="datetime8">
               <a:rPr lang="en-US" smtClean="0"/>
-              <a:t>3/5/20 10:03 AM</a:t>
+              <a:t>8/29/2020 11:54 AM</a:t>
             </a:fld>
             <a:endParaRPr lang="en-US" dirty="0"/>
           </a:p>

--- a/01 httpclient.pptx
+++ b/01 httpclient.pptx
@@ -5,10 +5,10 @@
     <p:sldMasterId id="2147484229" r:id="rId2"/>
   </p:sldMasterIdLst>
   <p:notesMasterIdLst>
-    <p:notesMasterId r:id="rId13"/>
+    <p:notesMasterId r:id="rId14"/>
   </p:notesMasterIdLst>
   <p:handoutMasterIdLst>
-    <p:handoutMasterId r:id="rId14"/>
+    <p:handoutMasterId r:id="rId15"/>
   </p:handoutMasterIdLst>
   <p:sldIdLst>
     <p:sldId id="1575" r:id="rId3"/>
@@ -16,11 +16,12 @@
     <p:sldId id="1547" r:id="rId5"/>
     <p:sldId id="1548" r:id="rId6"/>
     <p:sldId id="1549" r:id="rId7"/>
-    <p:sldId id="1577" r:id="rId8"/>
-    <p:sldId id="1578" r:id="rId9"/>
-    <p:sldId id="1579" r:id="rId10"/>
-    <p:sldId id="1580" r:id="rId11"/>
-    <p:sldId id="1581" r:id="rId12"/>
+    <p:sldId id="1582" r:id="rId8"/>
+    <p:sldId id="1577" r:id="rId9"/>
+    <p:sldId id="1578" r:id="rId10"/>
+    <p:sldId id="1579" r:id="rId11"/>
+    <p:sldId id="1580" r:id="rId12"/>
+    <p:sldId id="1581" r:id="rId13"/>
   </p:sldIdLst>
   <p:sldSz cx="12436475" cy="6994525"/>
   <p:notesSz cx="6858000" cy="9144000"/>
@@ -133,6 +134,7 @@
             <p14:sldId id="1547"/>
             <p14:sldId id="1548"/>
             <p14:sldId id="1549"/>
+            <p14:sldId id="1582"/>
             <p14:sldId id="1577"/>
           </p14:sldIdLst>
         </p14:section>
@@ -262,7 +264,7 @@
               <a:rPr lang="en-US" smtClean="0">
                 <a:latin typeface="Segoe UI" pitchFamily="34" charset="0"/>
               </a:rPr>
-              <a:t>8/29/2020 11:54 AM</a:t>
+              <a:t>8/24/2022 7:22 AM</a:t>
             </a:fld>
             <a:endParaRPr lang="en-US" dirty="0">
               <a:latin typeface="Segoe UI" pitchFamily="34" charset="0"/>
@@ -559,7 +561,7 @@
           <a:p>
             <a:fld id="{D18B56EA-E28F-4F92-9F16-7A6F2501B303}" type="datetime8">
               <a:rPr lang="en-US" smtClean="0"/>
-              <a:t>8/29/2020 11:54 AM</a:t>
+              <a:t>8/24/2022 7:22 AM</a:t>
             </a:fld>
             <a:endParaRPr lang="en-US" dirty="0"/>
           </a:p>
@@ -942,7 +944,7 @@
           <a:p>
             <a:fld id="{D18B56EA-E28F-4F92-9F16-7A6F2501B303}" type="datetime8">
               <a:rPr lang="en-US" smtClean="0"/>
-              <a:t>8/29/2020 11:54 AM</a:t>
+              <a:t>8/24/2022 7:22 AM</a:t>
             </a:fld>
             <a:endParaRPr lang="en-US" dirty="0"/>
           </a:p>
@@ -976,6 +978,187 @@
     <p:extLst>
       <p:ext uri="{BB962C8B-B14F-4D97-AF65-F5344CB8AC3E}">
         <p14:creationId xmlns:p14="http://schemas.microsoft.com/office/powerpoint/2010/main" val="909857904"/>
+      </p:ext>
+    </p:extLst>
+  </p:cSld>
+  <p:clrMapOvr>
+    <a:masterClrMapping/>
+  </p:clrMapOvr>
+</p:notes>
+</file>
+
+<file path=ppt/notesSlides/notesSlide10.xml><?xml version="1.0" encoding="utf-8"?>
+<p:notes xmlns:a="http://schemas.openxmlformats.org/drawingml/2006/main" xmlns:r="http://schemas.openxmlformats.org/officeDocument/2006/relationships" xmlns:p="http://schemas.openxmlformats.org/presentationml/2006/main">
+  <p:cSld>
+    <p:spTree>
+      <p:nvGrpSpPr>
+        <p:cNvPr id="1" name=""/>
+        <p:cNvGrpSpPr/>
+        <p:nvPr/>
+      </p:nvGrpSpPr>
+      <p:grpSpPr>
+        <a:xfrm>
+          <a:off x="0" y="0"/>
+          <a:ext cx="0" cy="0"/>
+          <a:chOff x="0" y="0"/>
+          <a:chExt cx="0" cy="0"/>
+        </a:xfrm>
+      </p:grpSpPr>
+      <p:sp>
+        <p:nvSpPr>
+          <p:cNvPr id="2" name="Slide Image Placeholder 1"/>
+          <p:cNvSpPr>
+            <a:spLocks noGrp="1" noRot="1" noChangeAspect="1"/>
+          </p:cNvSpPr>
+          <p:nvPr>
+            <p:ph type="sldImg"/>
+          </p:nvPr>
+        </p:nvSpPr>
+        <p:spPr/>
+      </p:sp>
+      <p:sp>
+        <p:nvSpPr>
+          <p:cNvPr id="3" name="Notes Placeholder 2"/>
+          <p:cNvSpPr>
+            <a:spLocks noGrp="1"/>
+          </p:cNvSpPr>
+          <p:nvPr>
+            <p:ph type="body" idx="1"/>
+          </p:nvPr>
+        </p:nvSpPr>
+        <p:spPr/>
+        <p:txBody>
+          <a:bodyPr/>
+          <a:lstStyle/>
+          <a:p>
+            <a:endParaRPr lang="en-US"/>
+          </a:p>
+        </p:txBody>
+      </p:sp>
+      <p:sp>
+        <p:nvSpPr>
+          <p:cNvPr id="4" name="Header Placeholder 3"/>
+          <p:cNvSpPr>
+            <a:spLocks noGrp="1"/>
+          </p:cNvSpPr>
+          <p:nvPr>
+            <p:ph type="hdr" sz="quarter" idx="10"/>
+          </p:nvPr>
+        </p:nvSpPr>
+        <p:spPr/>
+        <p:txBody>
+          <a:bodyPr/>
+          <a:lstStyle/>
+          <a:p>
+            <a:endParaRPr lang="en-US" dirty="0"/>
+          </a:p>
+        </p:txBody>
+      </p:sp>
+      <p:sp>
+        <p:nvSpPr>
+          <p:cNvPr id="5" name="Footer Placeholder 4"/>
+          <p:cNvSpPr>
+            <a:spLocks noGrp="1"/>
+          </p:cNvSpPr>
+          <p:nvPr>
+            <p:ph type="ftr" sz="quarter" idx="11"/>
+          </p:nvPr>
+        </p:nvSpPr>
+        <p:spPr/>
+        <p:txBody>
+          <a:bodyPr/>
+          <a:lstStyle/>
+          <a:p>
+            <a:pPr defTabSz="914099" eaLnBrk="0" hangingPunct="0"/>
+            <a:r>
+              <a:rPr lang="en-US" sz="400">
+                <a:gradFill>
+                  <a:gsLst>
+                    <a:gs pos="0">
+                      <a:prstClr val="black"/>
+                    </a:gs>
+                    <a:gs pos="100000">
+                      <a:prstClr val="black"/>
+                    </a:gs>
+                  </a:gsLst>
+                  <a:lin ang="5400000" scaled="0"/>
+                </a:gradFill>
+                <a:latin typeface="Segoe UI" pitchFamily="34" charset="0"/>
+                <a:ea typeface="Segoe UI" pitchFamily="34" charset="0"/>
+                <a:cs typeface="Segoe UI" pitchFamily="34" charset="0"/>
+              </a:rPr>
+              <a:t>© Microsoft Corporation. All rights reserved. MICROSOFT MAKES NO WARRANTIES, EXPRESS, IMPLIED OR STATUTORY, AS TO THE INFORMATION IN THIS PRESENTATION.</a:t>
+            </a:r>
+            <a:endParaRPr lang="en-US" sz="400" dirty="0">
+              <a:gradFill>
+                <a:gsLst>
+                  <a:gs pos="0">
+                    <a:prstClr val="black"/>
+                  </a:gs>
+                  <a:gs pos="100000">
+                    <a:prstClr val="black"/>
+                  </a:gs>
+                </a:gsLst>
+                <a:lin ang="5400000" scaled="0"/>
+              </a:gradFill>
+              <a:latin typeface="Segoe UI" pitchFamily="34" charset="0"/>
+              <a:ea typeface="Segoe UI" pitchFamily="34" charset="0"/>
+              <a:cs typeface="Segoe UI" pitchFamily="34" charset="0"/>
+            </a:endParaRPr>
+          </a:p>
+        </p:txBody>
+      </p:sp>
+      <p:sp>
+        <p:nvSpPr>
+          <p:cNvPr id="6" name="Date Placeholder 5"/>
+          <p:cNvSpPr>
+            <a:spLocks noGrp="1"/>
+          </p:cNvSpPr>
+          <p:nvPr>
+            <p:ph type="dt" idx="12"/>
+          </p:nvPr>
+        </p:nvSpPr>
+        <p:spPr/>
+        <p:txBody>
+          <a:bodyPr/>
+          <a:lstStyle/>
+          <a:p>
+            <a:fld id="{D18B56EA-E28F-4F92-9F16-7A6F2501B303}" type="datetime8">
+              <a:rPr lang="en-US" smtClean="0"/>
+              <a:t>8/24/2022 7:22 AM</a:t>
+            </a:fld>
+            <a:endParaRPr lang="en-US" dirty="0"/>
+          </a:p>
+        </p:txBody>
+      </p:sp>
+      <p:sp>
+        <p:nvSpPr>
+          <p:cNvPr id="7" name="Slide Number Placeholder 6"/>
+          <p:cNvSpPr>
+            <a:spLocks noGrp="1"/>
+          </p:cNvSpPr>
+          <p:nvPr>
+            <p:ph type="sldNum" sz="quarter" idx="13"/>
+          </p:nvPr>
+        </p:nvSpPr>
+        <p:spPr/>
+        <p:txBody>
+          <a:bodyPr/>
+          <a:lstStyle/>
+          <a:p>
+            <a:fld id="{B4008EB6-D09E-4580-8CD6-DDB14511944F}" type="slidenum">
+              <a:rPr lang="en-US" smtClean="0"/>
+              <a:pPr/>
+              <a:t>11</a:t>
+            </a:fld>
+            <a:endParaRPr lang="en-US" dirty="0"/>
+          </a:p>
+        </p:txBody>
+      </p:sp>
+    </p:spTree>
+    <p:extLst>
+      <p:ext uri="{BB962C8B-B14F-4D97-AF65-F5344CB8AC3E}">
+        <p14:creationId xmlns:p14="http://schemas.microsoft.com/office/powerpoint/2010/main" val="1685519606"/>
       </p:ext>
     </p:extLst>
   </p:cSld>
@@ -1154,7 +1337,7 @@
           <a:p>
             <a:fld id="{D18B56EA-E28F-4F92-9F16-7A6F2501B303}" type="datetime8">
               <a:rPr lang="en-US" smtClean="0"/>
-              <a:t>8/29/2020 11:54 AM</a:t>
+              <a:t>8/24/2022 7:22 AM</a:t>
             </a:fld>
             <a:endParaRPr lang="en-US" dirty="0"/>
           </a:p>
@@ -1799,7 +1982,7 @@
           <a:p>
             <a:fld id="{D18B56EA-E28F-4F92-9F16-7A6F2501B303}" type="datetime8">
               <a:rPr lang="en-US" smtClean="0"/>
-              <a:t>8/29/2020 11:54 AM</a:t>
+              <a:t>8/24/2022 7:22 AM</a:t>
             </a:fld>
             <a:endParaRPr lang="en-US" dirty="0"/>
           </a:p>
@@ -2066,7 +2249,7 @@
           <a:p>
             <a:fld id="{D18B56EA-E28F-4F92-9F16-7A6F2501B303}" type="datetime8">
               <a:rPr lang="en-US" smtClean="0"/>
-              <a:t>8/29/2020 11:54 AM</a:t>
+              <a:t>8/24/2022 7:22 AM</a:t>
             </a:fld>
             <a:endParaRPr lang="en-US" dirty="0"/>
           </a:p>
@@ -2164,7 +2347,7 @@
             <a:spLocks noGrp="1"/>
           </p:cNvSpPr>
           <p:nvPr>
-            <p:ph type="hdr" sz="quarter" idx="10"/>
+            <p:ph type="hdr" sz="quarter"/>
           </p:nvPr>
         </p:nvSpPr>
         <p:spPr/>
@@ -2183,7 +2366,7 @@
             <a:spLocks noGrp="1"/>
           </p:cNvSpPr>
           <p:nvPr>
-            <p:ph type="ftr" sz="quarter" idx="11"/>
+            <p:ph type="ftr" sz="quarter" idx="4"/>
           </p:nvPr>
         </p:nvSpPr>
         <p:spPr/>
@@ -2237,7 +2420,7 @@
             <a:spLocks noGrp="1"/>
           </p:cNvSpPr>
           <p:nvPr>
-            <p:ph type="dt" idx="12"/>
+            <p:ph type="dt" idx="1"/>
           </p:nvPr>
         </p:nvSpPr>
         <p:spPr/>
@@ -2247,7 +2430,7 @@
           <a:p>
             <a:fld id="{D18B56EA-E28F-4F92-9F16-7A6F2501B303}" type="datetime8">
               <a:rPr lang="en-US" smtClean="0"/>
-              <a:t>8/29/2020 11:54 AM</a:t>
+              <a:t>8/24/2022 7:26 AM</a:t>
             </a:fld>
             <a:endParaRPr lang="en-US" dirty="0"/>
           </a:p>
@@ -2260,7 +2443,7 @@
             <a:spLocks noGrp="1"/>
           </p:cNvSpPr>
           <p:nvPr>
-            <p:ph type="sldNum" sz="quarter" idx="13"/>
+            <p:ph type="sldNum" sz="quarter" idx="5"/>
           </p:nvPr>
         </p:nvSpPr>
         <p:spPr/>
@@ -2280,7 +2463,7 @@
     </p:spTree>
     <p:extLst>
       <p:ext uri="{BB962C8B-B14F-4D97-AF65-F5344CB8AC3E}">
-        <p14:creationId xmlns:p14="http://schemas.microsoft.com/office/powerpoint/2010/main" val="1390539867"/>
+        <p14:creationId xmlns:p14="http://schemas.microsoft.com/office/powerpoint/2010/main" val="1229065561"/>
       </p:ext>
     </p:extLst>
   </p:cSld>
@@ -2428,7 +2611,7 @@
           <a:p>
             <a:fld id="{D18B56EA-E28F-4F92-9F16-7A6F2501B303}" type="datetime8">
               <a:rPr lang="en-US" smtClean="0"/>
-              <a:t>8/29/2020 11:54 AM</a:t>
+              <a:t>8/24/2022 7:22 AM</a:t>
             </a:fld>
             <a:endParaRPr lang="en-US" dirty="0"/>
           </a:p>
@@ -2452,7 +2635,7 @@
             <a:fld id="{B4008EB6-D09E-4580-8CD6-DDB14511944F}" type="slidenum">
               <a:rPr lang="en-US" smtClean="0"/>
               <a:pPr/>
-              <a:t>8</a:t>
+              <a:t>7</a:t>
             </a:fld>
             <a:endParaRPr lang="en-US" dirty="0"/>
           </a:p>
@@ -2461,7 +2644,7 @@
     </p:spTree>
     <p:extLst>
       <p:ext uri="{BB962C8B-B14F-4D97-AF65-F5344CB8AC3E}">
-        <p14:creationId xmlns:p14="http://schemas.microsoft.com/office/powerpoint/2010/main" val="3282806226"/>
+        <p14:creationId xmlns:p14="http://schemas.microsoft.com/office/powerpoint/2010/main" val="1390539867"/>
       </p:ext>
     </p:extLst>
   </p:cSld>
@@ -2515,7 +2698,7 @@
           <a:bodyPr/>
           <a:lstStyle/>
           <a:p>
-            <a:endParaRPr lang="en-US"/>
+            <a:endParaRPr lang="en-US" dirty="0"/>
           </a:p>
         </p:txBody>
       </p:sp>
@@ -2609,7 +2792,7 @@
           <a:p>
             <a:fld id="{D18B56EA-E28F-4F92-9F16-7A6F2501B303}" type="datetime8">
               <a:rPr lang="en-US" smtClean="0"/>
-              <a:t>8/29/2020 11:54 AM</a:t>
+              <a:t>8/24/2022 7:22 AM</a:t>
             </a:fld>
             <a:endParaRPr lang="en-US" dirty="0"/>
           </a:p>
@@ -2642,7 +2825,7 @@
     </p:spTree>
     <p:extLst>
       <p:ext uri="{BB962C8B-B14F-4D97-AF65-F5344CB8AC3E}">
-        <p14:creationId xmlns:p14="http://schemas.microsoft.com/office/powerpoint/2010/main" val="2510823477"/>
+        <p14:creationId xmlns:p14="http://schemas.microsoft.com/office/powerpoint/2010/main" val="3282806226"/>
       </p:ext>
     </p:extLst>
   </p:cSld>
@@ -2790,7 +2973,7 @@
           <a:p>
             <a:fld id="{D18B56EA-E28F-4F92-9F16-7A6F2501B303}" type="datetime8">
               <a:rPr lang="en-US" smtClean="0"/>
-              <a:t>8/29/2020 11:54 AM</a:t>
+              <a:t>8/24/2022 7:22 AM</a:t>
             </a:fld>
             <a:endParaRPr lang="en-US" dirty="0"/>
           </a:p>
@@ -2823,7 +3006,7 @@
     </p:spTree>
     <p:extLst>
       <p:ext uri="{BB962C8B-B14F-4D97-AF65-F5344CB8AC3E}">
-        <p14:creationId xmlns:p14="http://schemas.microsoft.com/office/powerpoint/2010/main" val="1685519606"/>
+        <p14:creationId xmlns:p14="http://schemas.microsoft.com/office/powerpoint/2010/main" val="2510823477"/>
       </p:ext>
     </p:extLst>
   </p:cSld>
@@ -15591,6 +15774,70 @@
           <a:chExt cx="0" cy="0"/>
         </a:xfrm>
       </p:grpSpPr>
+      <p:sp>
+        <p:nvSpPr>
+          <p:cNvPr id="2" name="Title 1"/>
+          <p:cNvSpPr>
+            <a:spLocks noGrp="1"/>
+          </p:cNvSpPr>
+          <p:nvPr>
+            <p:ph type="title"/>
+          </p:nvPr>
+        </p:nvSpPr>
+        <p:spPr/>
+        <p:txBody>
+          <a:bodyPr/>
+          <a:lstStyle/>
+          <a:p>
+            <a:r>
+              <a:rPr lang="en-US" dirty="0"/>
+              <a:t>Thank you.</a:t>
+            </a:r>
+          </a:p>
+        </p:txBody>
+      </p:sp>
+    </p:spTree>
+    <p:extLst>
+      <p:ext uri="{BB962C8B-B14F-4D97-AF65-F5344CB8AC3E}">
+        <p14:creationId xmlns:p14="http://schemas.microsoft.com/office/powerpoint/2010/main" val="380129070"/>
+      </p:ext>
+    </p:extLst>
+  </p:cSld>
+  <p:clrMapOvr>
+    <a:masterClrMapping/>
+  </p:clrMapOvr>
+  <mc:AlternateContent xmlns:mc="http://schemas.openxmlformats.org/markup-compatibility/2006" xmlns:p14="http://schemas.microsoft.com/office/powerpoint/2010/main">
+    <mc:Choice Requires="p14">
+      <p:transition spd="med" p14:dur="700">
+        <p:fade/>
+      </p:transition>
+    </mc:Choice>
+    <mc:Fallback xmlns="">
+      <p:transition spd="med">
+        <p:fade/>
+      </p:transition>
+    </mc:Fallback>
+  </mc:AlternateContent>
+</p:sld>
+</file>
+
+<file path=ppt/slides/slide11.xml><?xml version="1.0" encoding="utf-8"?>
+<p:sld xmlns:a="http://schemas.openxmlformats.org/drawingml/2006/main" xmlns:r="http://schemas.openxmlformats.org/officeDocument/2006/relationships" xmlns:p="http://schemas.openxmlformats.org/presentationml/2006/main">
+  <p:cSld>
+    <p:spTree>
+      <p:nvGrpSpPr>
+        <p:cNvPr id="1" name=""/>
+        <p:cNvGrpSpPr/>
+        <p:nvPr/>
+      </p:nvGrpSpPr>
+      <p:grpSpPr>
+        <a:xfrm>
+          <a:off x="0" y="0"/>
+          <a:ext cx="0" cy="0"/>
+          <a:chOff x="0" y="0"/>
+          <a:chExt cx="0" cy="0"/>
+        </a:xfrm>
+      </p:grpSpPr>
     </p:spTree>
     <p:extLst>
       <p:ext uri="{BB962C8B-B14F-4D97-AF65-F5344CB8AC3E}">
@@ -16299,14 +16546,19 @@
             <p:ph type="title"/>
           </p:nvPr>
         </p:nvSpPr>
-        <p:spPr/>
+        <p:spPr>
+          <a:xfrm>
+            <a:off x="464400" y="633600"/>
+            <a:ext cx="11575200" cy="387798"/>
+          </a:xfrm>
+        </p:spPr>
         <p:txBody>
           <a:bodyPr/>
           <a:lstStyle/>
           <a:p>
             <a:r>
               <a:rPr lang="en-US" dirty="0"/>
-              <a:t>Calling Anonymous REST APIs </a:t>
+              <a:t>Calling Anonymous REST APIs with Promises </a:t>
             </a:r>
           </a:p>
         </p:txBody>
@@ -16593,6 +16845,303 @@
       </p:grpSpPr>
       <p:sp>
         <p:nvSpPr>
+          <p:cNvPr id="3" name="Title 2">
+            <a:extLst>
+              <a:ext uri="{FF2B5EF4-FFF2-40B4-BE49-F238E27FC236}">
+                <a16:creationId xmlns:a16="http://schemas.microsoft.com/office/drawing/2014/main" id="{1C379D57-F1AD-0443-AD60-63C8C536B382}"/>
+              </a:ext>
+            </a:extLst>
+          </p:cNvPr>
+          <p:cNvSpPr>
+            <a:spLocks noGrp="1"/>
+          </p:cNvSpPr>
+          <p:nvPr>
+            <p:ph type="title"/>
+          </p:nvPr>
+        </p:nvSpPr>
+        <p:spPr>
+          <a:xfrm>
+            <a:off x="464400" y="633600"/>
+            <a:ext cx="11575200" cy="387798"/>
+          </a:xfrm>
+        </p:spPr>
+        <p:txBody>
+          <a:bodyPr/>
+          <a:lstStyle/>
+          <a:p>
+            <a:r>
+              <a:rPr lang="en-US" dirty="0"/>
+              <a:t>Calling Anonymous REST APIs with Async/await </a:t>
+            </a:r>
+          </a:p>
+        </p:txBody>
+      </p:sp>
+      <p:sp>
+        <p:nvSpPr>
+          <p:cNvPr id="4" name="Text Placeholder 3">
+            <a:extLst>
+              <a:ext uri="{FF2B5EF4-FFF2-40B4-BE49-F238E27FC236}">
+                <a16:creationId xmlns:a16="http://schemas.microsoft.com/office/drawing/2014/main" id="{FE036A2D-AABF-6549-BF7B-3532C801A5D0}"/>
+              </a:ext>
+            </a:extLst>
+          </p:cNvPr>
+          <p:cNvSpPr>
+            <a:spLocks noGrp="1"/>
+          </p:cNvSpPr>
+          <p:nvPr>
+            <p:ph type="body" sz="quarter" idx="10"/>
+          </p:nvPr>
+        </p:nvSpPr>
+        <p:spPr>
+          <a:xfrm>
+            <a:off x="464400" y="1178952"/>
+            <a:ext cx="11575200" cy="3314754"/>
+          </a:xfrm>
+        </p:spPr>
+        <p:txBody>
+          <a:bodyPr/>
+          <a:lstStyle/>
+          <a:p>
+            <a:r>
+              <a:rPr lang="en-US" sz="1800" dirty="0">
+                <a:solidFill>
+                  <a:schemeClr val="accent1"/>
+                </a:solidFill>
+              </a:rPr>
+              <a:t>import { </a:t>
+            </a:r>
+            <a:r>
+              <a:rPr lang="en-US" sz="1800" dirty="0" err="1">
+                <a:solidFill>
+                  <a:schemeClr val="accent1"/>
+                </a:solidFill>
+              </a:rPr>
+              <a:t>HttpClient</a:t>
+            </a:r>
+            <a:r>
+              <a:rPr lang="en-US" sz="1800" dirty="0">
+                <a:solidFill>
+                  <a:schemeClr val="accent1"/>
+                </a:solidFill>
+              </a:rPr>
+              <a:t>, </a:t>
+            </a:r>
+            <a:r>
+              <a:rPr lang="en-US" sz="1800" dirty="0" err="1">
+                <a:solidFill>
+                  <a:schemeClr val="accent1"/>
+                </a:solidFill>
+              </a:rPr>
+              <a:t>HttpClientResponse</a:t>
+            </a:r>
+            <a:r>
+              <a:rPr lang="en-US" sz="1800" dirty="0">
+                <a:solidFill>
+                  <a:schemeClr val="accent1"/>
+                </a:solidFill>
+              </a:rPr>
+              <a:t> }</a:t>
+            </a:r>
+          </a:p>
+          <a:p>
+            <a:r>
+              <a:rPr lang="en-US" sz="1800" dirty="0">
+                <a:solidFill>
+                  <a:schemeClr val="accent1"/>
+                </a:solidFill>
+              </a:rPr>
+              <a:t>  from '@</a:t>
+            </a:r>
+            <a:r>
+              <a:rPr lang="en-US" sz="1800" dirty="0" err="1">
+                <a:solidFill>
+                  <a:schemeClr val="accent1"/>
+                </a:solidFill>
+              </a:rPr>
+              <a:t>microsoft</a:t>
+            </a:r>
+            <a:r>
+              <a:rPr lang="en-US" sz="1800" dirty="0">
+                <a:solidFill>
+                  <a:schemeClr val="accent1"/>
+                </a:solidFill>
+              </a:rPr>
+              <a:t>/</a:t>
+            </a:r>
+            <a:r>
+              <a:rPr lang="en-US" sz="1800" dirty="0" err="1">
+                <a:solidFill>
+                  <a:schemeClr val="accent1"/>
+                </a:solidFill>
+              </a:rPr>
+              <a:t>sp</a:t>
+            </a:r>
+            <a:r>
+              <a:rPr lang="en-US" sz="1800" dirty="0">
+                <a:solidFill>
+                  <a:schemeClr val="accent1"/>
+                </a:solidFill>
+              </a:rPr>
+              <a:t>-http’;</a:t>
+            </a:r>
+          </a:p>
+          <a:p>
+            <a:endParaRPr lang="en-US" sz="1800" dirty="0">
+              <a:solidFill>
+                <a:schemeClr val="bg1">
+                  <a:lumMod val="10000"/>
+                </a:schemeClr>
+              </a:solidFill>
+            </a:endParaRPr>
+          </a:p>
+          <a:p>
+            <a:r>
+              <a:rPr lang="en-US" sz="1800" dirty="0"/>
+              <a:t>const response: </a:t>
+            </a:r>
+            <a:r>
+              <a:rPr lang="en-US" sz="1800" dirty="0" err="1">
+                <a:solidFill>
+                  <a:srgbClr val="FF0000"/>
+                </a:solidFill>
+              </a:rPr>
+              <a:t>HttpClientResponse</a:t>
+            </a:r>
+            <a:r>
+              <a:rPr lang="en-US" sz="1800" dirty="0"/>
+              <a:t> = </a:t>
+            </a:r>
+            <a:r>
+              <a:rPr lang="en-US" sz="1800" dirty="0">
+                <a:solidFill>
+                  <a:srgbClr val="FF0000"/>
+                </a:solidFill>
+              </a:rPr>
+              <a:t>await </a:t>
+            </a:r>
+            <a:r>
+              <a:rPr lang="en-US" sz="1800" dirty="0" err="1">
+                <a:solidFill>
+                  <a:srgbClr val="FF0000"/>
+                </a:solidFill>
+              </a:rPr>
+              <a:t>this.context.httpClient.get</a:t>
+            </a:r>
+            <a:r>
+              <a:rPr lang="en-US" sz="1800" dirty="0">
+                <a:solidFill>
+                  <a:srgbClr val="FF0000"/>
+                </a:solidFill>
+              </a:rPr>
+              <a:t>(</a:t>
+            </a:r>
+          </a:p>
+          <a:p>
+            <a:r>
+              <a:rPr lang="en-US" sz="1800" dirty="0">
+                <a:solidFill>
+                  <a:srgbClr val="FF0000"/>
+                </a:solidFill>
+              </a:rPr>
+              <a:t>  `https://[rest-endpoint]`,</a:t>
+            </a:r>
+          </a:p>
+          <a:p>
+            <a:r>
+              <a:rPr lang="en-US" sz="1800" dirty="0">
+                <a:solidFill>
+                  <a:srgbClr val="FF0000"/>
+                </a:solidFill>
+              </a:rPr>
+              <a:t>  HttpClient.configurations.v1</a:t>
+            </a:r>
+          </a:p>
+          <a:p>
+            <a:r>
+              <a:rPr lang="en-US" sz="1800" dirty="0">
+                <a:solidFill>
+                  <a:srgbClr val="FF0000"/>
+                </a:solidFill>
+              </a:rPr>
+              <a:t>);</a:t>
+            </a:r>
+          </a:p>
+          <a:p>
+            <a:endParaRPr lang="en-US" sz="1800" dirty="0"/>
+          </a:p>
+          <a:p>
+            <a:r>
+              <a:rPr lang="en-US" sz="1800" dirty="0"/>
+              <a:t>const </a:t>
+            </a:r>
+            <a:r>
+              <a:rPr lang="en-US" sz="1800" dirty="0" err="1"/>
+              <a:t>responseJson</a:t>
+            </a:r>
+            <a:r>
+              <a:rPr lang="en-US" sz="1800" dirty="0"/>
+              <a:t> = await </a:t>
+            </a:r>
+            <a:r>
+              <a:rPr lang="en-US" sz="1800" dirty="0" err="1"/>
+              <a:t>response.json</a:t>
+            </a:r>
+            <a:r>
+              <a:rPr lang="en-US" sz="1800" dirty="0"/>
+              <a:t>();</a:t>
+            </a:r>
+          </a:p>
+          <a:p>
+            <a:r>
+              <a:rPr lang="en-US" sz="1800" dirty="0"/>
+              <a:t>return </a:t>
+            </a:r>
+            <a:r>
+              <a:rPr lang="en-US" sz="1800" dirty="0" err="1"/>
+              <a:t>responseJson</a:t>
+            </a:r>
+            <a:r>
+              <a:rPr lang="en-US" sz="1800" dirty="0"/>
+              <a:t> as any;</a:t>
+            </a:r>
+          </a:p>
+        </p:txBody>
+      </p:sp>
+    </p:spTree>
+    <p:extLst>
+      <p:ext uri="{BB962C8B-B14F-4D97-AF65-F5344CB8AC3E}">
+        <p14:creationId xmlns:p14="http://schemas.microsoft.com/office/powerpoint/2010/main" val="1126757839"/>
+      </p:ext>
+    </p:extLst>
+  </p:cSld>
+  <p:clrMapOvr>
+    <a:masterClrMapping/>
+  </p:clrMapOvr>
+  <p:transition>
+    <p:fade/>
+  </p:transition>
+</p:sld>
+</file>
+
+<file path=ppt/slides/slide7.xml><?xml version="1.0" encoding="utf-8"?>
+<p:sld xmlns:a="http://schemas.openxmlformats.org/drawingml/2006/main" xmlns:r="http://schemas.openxmlformats.org/officeDocument/2006/relationships" xmlns:p="http://schemas.openxmlformats.org/presentationml/2006/main">
+  <p:cSld>
+    <p:spTree>
+      <p:nvGrpSpPr>
+        <p:cNvPr id="1" name=""/>
+        <p:cNvGrpSpPr/>
+        <p:nvPr/>
+      </p:nvGrpSpPr>
+      <p:grpSpPr>
+        <a:xfrm>
+          <a:off x="0" y="0"/>
+          <a:ext cx="0" cy="0"/>
+          <a:chOff x="0" y="0"/>
+          <a:chExt cx="0" cy="0"/>
+        </a:xfrm>
+      </p:grpSpPr>
+      <p:sp>
+        <p:nvSpPr>
           <p:cNvPr id="2" name="Title 1"/>
           <p:cNvSpPr>
             <a:spLocks noGrp="1"/>
@@ -16637,7 +17186,7 @@
 </p:sld>
 </file>
 
-<file path=ppt/slides/slide7.xml><?xml version="1.0" encoding="utf-8"?>
+<file path=ppt/slides/slide8.xml><?xml version="1.0" encoding="utf-8"?>
 <p:sld xmlns:a="http://schemas.openxmlformats.org/drawingml/2006/main" xmlns:r="http://schemas.openxmlformats.org/officeDocument/2006/relationships" xmlns:p="http://schemas.openxmlformats.org/presentationml/2006/main">
   <p:cSld>
     <p:spTree>
@@ -17143,7 +17692,7 @@
 </p:sld>
 </file>
 
-<file path=ppt/slides/slide8.xml><?xml version="1.0" encoding="utf-8"?>
+<file path=ppt/slides/slide9.xml><?xml version="1.0" encoding="utf-8"?>
 <p:sld xmlns:a="http://schemas.openxmlformats.org/drawingml/2006/main" xmlns:r="http://schemas.openxmlformats.org/officeDocument/2006/relationships" xmlns:p="http://schemas.openxmlformats.org/presentationml/2006/main">
   <p:cSld>
     <p:spTree>
@@ -17412,70 +17961,6 @@
   <p:transition>
     <p:fade/>
   </p:transition>
-</p:sld>
-</file>
-
-<file path=ppt/slides/slide9.xml><?xml version="1.0" encoding="utf-8"?>
-<p:sld xmlns:a="http://schemas.openxmlformats.org/drawingml/2006/main" xmlns:r="http://schemas.openxmlformats.org/officeDocument/2006/relationships" xmlns:p="http://schemas.openxmlformats.org/presentationml/2006/main">
-  <p:cSld>
-    <p:spTree>
-      <p:nvGrpSpPr>
-        <p:cNvPr id="1" name=""/>
-        <p:cNvGrpSpPr/>
-        <p:nvPr/>
-      </p:nvGrpSpPr>
-      <p:grpSpPr>
-        <a:xfrm>
-          <a:off x="0" y="0"/>
-          <a:ext cx="0" cy="0"/>
-          <a:chOff x="0" y="0"/>
-          <a:chExt cx="0" cy="0"/>
-        </a:xfrm>
-      </p:grpSpPr>
-      <p:sp>
-        <p:nvSpPr>
-          <p:cNvPr id="2" name="Title 1"/>
-          <p:cNvSpPr>
-            <a:spLocks noGrp="1"/>
-          </p:cNvSpPr>
-          <p:nvPr>
-            <p:ph type="title"/>
-          </p:nvPr>
-        </p:nvSpPr>
-        <p:spPr/>
-        <p:txBody>
-          <a:bodyPr/>
-          <a:lstStyle/>
-          <a:p>
-            <a:r>
-              <a:rPr lang="en-US" dirty="0"/>
-              <a:t>Thank you.</a:t>
-            </a:r>
-          </a:p>
-        </p:txBody>
-      </p:sp>
-    </p:spTree>
-    <p:extLst>
-      <p:ext uri="{BB962C8B-B14F-4D97-AF65-F5344CB8AC3E}">
-        <p14:creationId xmlns:p14="http://schemas.microsoft.com/office/powerpoint/2010/main" val="380129070"/>
-      </p:ext>
-    </p:extLst>
-  </p:cSld>
-  <p:clrMapOvr>
-    <a:masterClrMapping/>
-  </p:clrMapOvr>
-  <mc:AlternateContent xmlns:mc="http://schemas.openxmlformats.org/markup-compatibility/2006" xmlns:p14="http://schemas.microsoft.com/office/powerpoint/2010/main">
-    <mc:Choice Requires="p14">
-      <p:transition spd="med" p14:dur="700">
-        <p:fade/>
-      </p:transition>
-    </mc:Choice>
-    <mc:Fallback xmlns="">
-      <p:transition spd="med">
-        <p:fade/>
-      </p:transition>
-    </mc:Fallback>
-  </mc:AlternateContent>
 </p:sld>
 </file>
 

--- a/01 httpclient.pptx
+++ b/01 httpclient.pptx
@@ -264,7 +264,7 @@
               <a:rPr lang="en-US" smtClean="0">
                 <a:latin typeface="Segoe UI" pitchFamily="34" charset="0"/>
               </a:rPr>
-              <a:t>8/24/2022 7:22 AM</a:t>
+              <a:t>11/19/2022 8:52 AM</a:t>
             </a:fld>
             <a:endParaRPr lang="en-US" dirty="0">
               <a:latin typeface="Segoe UI" pitchFamily="34" charset="0"/>
@@ -561,7 +561,7 @@
           <a:p>
             <a:fld id="{D18B56EA-E28F-4F92-9F16-7A6F2501B303}" type="datetime8">
               <a:rPr lang="en-US" smtClean="0"/>
-              <a:t>8/24/2022 7:22 AM</a:t>
+              <a:t>11/19/2022 8:52 AM</a:t>
             </a:fld>
             <a:endParaRPr lang="en-US" dirty="0"/>
           </a:p>
@@ -944,7 +944,7 @@
           <a:p>
             <a:fld id="{D18B56EA-E28F-4F92-9F16-7A6F2501B303}" type="datetime8">
               <a:rPr lang="en-US" smtClean="0"/>
-              <a:t>8/24/2022 7:22 AM</a:t>
+              <a:t>11/19/2022 8:52 AM</a:t>
             </a:fld>
             <a:endParaRPr lang="en-US" dirty="0"/>
           </a:p>
@@ -1125,7 +1125,7 @@
           <a:p>
             <a:fld id="{D18B56EA-E28F-4F92-9F16-7A6F2501B303}" type="datetime8">
               <a:rPr lang="en-US" smtClean="0"/>
-              <a:t>8/24/2022 7:22 AM</a:t>
+              <a:t>11/19/2022 8:52 AM</a:t>
             </a:fld>
             <a:endParaRPr lang="en-US" dirty="0"/>
           </a:p>
@@ -1337,7 +1337,7 @@
           <a:p>
             <a:fld id="{D18B56EA-E28F-4F92-9F16-7A6F2501B303}" type="datetime8">
               <a:rPr lang="en-US" smtClean="0"/>
-              <a:t>8/24/2022 7:22 AM</a:t>
+              <a:t>11/19/2022 8:52 AM</a:t>
             </a:fld>
             <a:endParaRPr lang="en-US" dirty="0"/>
           </a:p>
@@ -1982,7 +1982,7 @@
           <a:p>
             <a:fld id="{D18B56EA-E28F-4F92-9F16-7A6F2501B303}" type="datetime8">
               <a:rPr lang="en-US" smtClean="0"/>
-              <a:t>8/24/2022 7:22 AM</a:t>
+              <a:t>11/19/2022 8:52 AM</a:t>
             </a:fld>
             <a:endParaRPr lang="en-US" dirty="0"/>
           </a:p>
@@ -2249,7 +2249,7 @@
           <a:p>
             <a:fld id="{D18B56EA-E28F-4F92-9F16-7A6F2501B303}" type="datetime8">
               <a:rPr lang="en-US" smtClean="0"/>
-              <a:t>8/24/2022 7:22 AM</a:t>
+              <a:t>11/19/2022 8:52 AM</a:t>
             </a:fld>
             <a:endParaRPr lang="en-US" dirty="0"/>
           </a:p>
@@ -2430,7 +2430,7 @@
           <a:p>
             <a:fld id="{D18B56EA-E28F-4F92-9F16-7A6F2501B303}" type="datetime8">
               <a:rPr lang="en-US" smtClean="0"/>
-              <a:t>8/24/2022 7:26 AM</a:t>
+              <a:t>11/19/2022 8:52 AM</a:t>
             </a:fld>
             <a:endParaRPr lang="en-US" dirty="0"/>
           </a:p>
@@ -2611,7 +2611,7 @@
           <a:p>
             <a:fld id="{D18B56EA-E28F-4F92-9F16-7A6F2501B303}" type="datetime8">
               <a:rPr lang="en-US" smtClean="0"/>
-              <a:t>8/24/2022 7:22 AM</a:t>
+              <a:t>11/19/2022 8:52 AM</a:t>
             </a:fld>
             <a:endParaRPr lang="en-US" dirty="0"/>
           </a:p>
@@ -2792,7 +2792,7 @@
           <a:p>
             <a:fld id="{D18B56EA-E28F-4F92-9F16-7A6F2501B303}" type="datetime8">
               <a:rPr lang="en-US" smtClean="0"/>
-              <a:t>8/24/2022 7:22 AM</a:t>
+              <a:t>11/19/2022 8:52 AM</a:t>
             </a:fld>
             <a:endParaRPr lang="en-US" dirty="0"/>
           </a:p>
@@ -2973,7 +2973,7 @@
           <a:p>
             <a:fld id="{D18B56EA-E28F-4F92-9F16-7A6F2501B303}" type="datetime8">
               <a:rPr lang="en-US" smtClean="0"/>
-              <a:t>8/24/2022 7:22 AM</a:t>
+              <a:t>11/19/2022 8:52 AM</a:t>
             </a:fld>
             <a:endParaRPr lang="en-US" dirty="0"/>
           </a:p>
@@ -17875,7 +17875,7 @@
                 <a:latin typeface="+mj-lt"/>
                 <a:hlinkClick r:id="rId3"/>
               </a:rPr>
-              <a:t>https://docs.microsoft.com/sharepoint/dev/spfx/sharepoint-framework-overview</a:t>
+              <a:t>https://learn.microsoft.com/sharepoint/dev/spfx/sharepoint-framework-overview</a:t>
             </a:r>
             <a:endParaRPr lang="en-US" sz="1800" dirty="0">
               <a:latin typeface="+mj-lt"/>
@@ -17937,7 +17937,7 @@
                 <a:latin typeface="+mj-lt"/>
                 <a:hlinkClick r:id="rId4"/>
               </a:rPr>
-              <a:t>https://docs.microsoft.com/sharepoint/dev/spfx/connect-to-anonymous-apis</a:t>
+              <a:t>https://learn.microsoft.com/sharepoint/dev/spfx/connect-to-anonymous-apis</a:t>
             </a:r>
             <a:r>
               <a:rPr lang="en-US" sz="1800" dirty="0">
